--- a/DsDotNet/src/UnitTest/UnitTest.Model/ImportOfficeExample/ppt/T5_Call.pptx
+++ b/DsDotNet/src/UnitTest/UnitTest.Model/ImportOfficeExample/ppt/T5_Call.pptx
@@ -218,7 +218,7 @@
           <a:p>
             <a:fld id="{DD503887-5801-43A0-AEF9-041E8DDC2558}" type="datetimeFigureOut">
               <a:rPr lang="ko-KR" altLang="en-US" smtClean="0"/>
-              <a:t>2023-01-13</a:t>
+              <a:t>2023-09-04</a:t>
             </a:fld>
             <a:endParaRPr lang="ko-KR" altLang="en-US"/>
           </a:p>
@@ -395,7 +395,7 @@
           <a:p>
             <a:fld id="{95336A0E-57B1-4D4C-BD9B-2F72B5943464}" type="datetimeFigureOut">
               <a:rPr lang="ko-KR" altLang="en-US" smtClean="0"/>
-              <a:t>2023-01-13</a:t>
+              <a:t>2023-09-04</a:t>
             </a:fld>
             <a:endParaRPr lang="ko-KR" altLang="en-US"/>
           </a:p>
@@ -757,7 +757,7 @@
           <a:effectLst/>
           <a:extLst>
             <a:ext uri="{91240B29-F687-4f45-9708-019B960494DF}">
-              <a14:hiddenLine xmlns:a14="http://schemas.microsoft.com/office/drawing/2010/main" xmlns="" w="9525">
+              <a14:hiddenLine xmlns="" xmlns:a14="http://schemas.microsoft.com/office/drawing/2010/main" w="9525">
                 <a:solidFill>
                   <a:srgbClr val="000000"/>
                 </a:solidFill>
@@ -949,7 +949,7 @@
           <a:p>
             <a:fld id="{DEA6EBF0-8E22-42A7-9BEA-2AC7066E6498}" type="datetimeFigureOut">
               <a:rPr lang="ko-KR" altLang="en-US" smtClean="0"/>
-              <a:t>2023-01-13</a:t>
+              <a:t>2023-09-04</a:t>
             </a:fld>
             <a:endParaRPr lang="ko-KR" altLang="en-US"/>
           </a:p>
@@ -1267,7 +1267,7 @@
           <a:p>
             <a:fld id="{DEA6EBF0-8E22-42A7-9BEA-2AC7066E6498}" type="datetimeFigureOut">
               <a:rPr lang="ko-KR" altLang="en-US" smtClean="0"/>
-              <a:t>2023-01-13</a:t>
+              <a:t>2023-09-04</a:t>
             </a:fld>
             <a:endParaRPr lang="ko-KR" altLang="en-US"/>
           </a:p>
@@ -1755,7 +1755,7 @@
           <a:p>
             <a:fld id="{DEA6EBF0-8E22-42A7-9BEA-2AC7066E6498}" type="datetimeFigureOut">
               <a:rPr lang="ko-KR" altLang="en-US" smtClean="0"/>
-              <a:t>2023-01-13</a:t>
+              <a:t>2023-09-04</a:t>
             </a:fld>
             <a:endParaRPr lang="ko-KR" altLang="en-US"/>
           </a:p>
@@ -2124,7 +2124,7 @@
           <a:p>
             <a:fld id="{DEA6EBF0-8E22-42A7-9BEA-2AC7066E6498}" type="datetimeFigureOut">
               <a:rPr lang="ko-KR" altLang="en-US" smtClean="0"/>
-              <a:t>2023-01-13</a:t>
+              <a:t>2023-09-04</a:t>
             </a:fld>
             <a:endParaRPr lang="ko-KR" altLang="en-US"/>
           </a:p>
@@ -2279,7 +2279,7 @@
           <a:ln/>
           <a:extLst>
             <a:ext uri="{91240B29-F687-4f45-9708-019B960494DF}">
-              <a14:hiddenLine xmlns:a14="http://schemas.microsoft.com/office/drawing/2010/main" xmlns="" w="9525">
+              <a14:hiddenLine xmlns="" xmlns:a14="http://schemas.microsoft.com/office/drawing/2010/main" w="9525">
                 <a:solidFill>
                   <a:srgbClr val="000000"/>
                 </a:solidFill>
@@ -2397,7 +2397,7 @@
           <a:p>
             <a:fld id="{DEA6EBF0-8E22-42A7-9BEA-2AC7066E6498}" type="datetimeFigureOut">
               <a:rPr lang="ko-KR" altLang="en-US" smtClean="0"/>
-              <a:t>2023-01-13</a:t>
+              <a:t>2023-09-04</a:t>
             </a:fld>
             <a:endParaRPr lang="ko-KR" altLang="en-US"/>
           </a:p>
@@ -2554,7 +2554,7 @@
           <a:ln/>
           <a:extLst>
             <a:ext uri="{91240B29-F687-4f45-9708-019B960494DF}">
-              <a14:hiddenLine xmlns:a14="http://schemas.microsoft.com/office/drawing/2010/main" xmlns="" w="9525">
+              <a14:hiddenLine xmlns="" xmlns:a14="http://schemas.microsoft.com/office/drawing/2010/main" w="9525">
                 <a:solidFill>
                   <a:srgbClr val="000000"/>
                 </a:solidFill>
@@ -2682,7 +2682,7 @@
           <a:p>
             <a:fld id="{DEA6EBF0-8E22-42A7-9BEA-2AC7066E6498}" type="datetimeFigureOut">
               <a:rPr lang="ko-KR" altLang="en-US" smtClean="0"/>
-              <a:t>2023-01-13</a:t>
+              <a:t>2023-09-04</a:t>
             </a:fld>
             <a:endParaRPr lang="ko-KR" altLang="en-US"/>
           </a:p>
@@ -2800,7 +2800,7 @@
           <a:p>
             <a:fld id="{DEA6EBF0-8E22-42A7-9BEA-2AC7066E6498}" type="datetimeFigureOut">
               <a:rPr lang="ko-KR" altLang="en-US" smtClean="0"/>
-              <a:t>2023-01-13</a:t>
+              <a:t>2023-09-04</a:t>
             </a:fld>
             <a:endParaRPr lang="ko-KR" altLang="en-US"/>
           </a:p>
@@ -2955,7 +2955,7 @@
           <a:ln/>
           <a:extLst>
             <a:ext uri="{91240B29-F687-4f45-9708-019B960494DF}">
-              <a14:hiddenLine xmlns:a14="http://schemas.microsoft.com/office/drawing/2010/main" xmlns="" w="9525">
+              <a14:hiddenLine xmlns="" xmlns:a14="http://schemas.microsoft.com/office/drawing/2010/main" w="9525">
                 <a:solidFill>
                   <a:srgbClr val="000000"/>
                 </a:solidFill>
@@ -3083,7 +3083,7 @@
           <a:p>
             <a:fld id="{DEA6EBF0-8E22-42A7-9BEA-2AC7066E6498}" type="datetimeFigureOut">
               <a:rPr lang="ko-KR" altLang="en-US" smtClean="0"/>
-              <a:t>2023-01-13</a:t>
+              <a:t>2023-09-04</a:t>
             </a:fld>
             <a:endParaRPr lang="ko-KR" altLang="en-US"/>
           </a:p>
@@ -3426,7 +3426,7 @@
           <a:p>
             <a:fld id="{DEA6EBF0-8E22-42A7-9BEA-2AC7066E6498}" type="datetimeFigureOut">
               <a:rPr lang="ko-KR" altLang="en-US" smtClean="0"/>
-              <a:t>2023-01-13</a:t>
+              <a:t>2023-09-04</a:t>
             </a:fld>
             <a:endParaRPr lang="ko-KR" altLang="en-US"/>
           </a:p>
@@ -3581,7 +3581,7 @@
           <a:ln/>
           <a:extLst>
             <a:ext uri="{91240B29-F687-4f45-9708-019B960494DF}">
-              <a14:hiddenLine xmlns:a14="http://schemas.microsoft.com/office/drawing/2010/main" xmlns="" w="9525">
+              <a14:hiddenLine xmlns="" xmlns:a14="http://schemas.microsoft.com/office/drawing/2010/main" w="9525">
                 <a:solidFill>
                   <a:srgbClr val="000000"/>
                 </a:solidFill>
@@ -3765,7 +3765,7 @@
           <a:p>
             <a:fld id="{DEA6EBF0-8E22-42A7-9BEA-2AC7066E6498}" type="datetimeFigureOut">
               <a:rPr lang="ko-KR" altLang="en-US" smtClean="0"/>
-              <a:t>2023-01-13</a:t>
+              <a:t>2023-09-04</a:t>
             </a:fld>
             <a:endParaRPr lang="ko-KR" altLang="en-US"/>
           </a:p>
@@ -3920,7 +3920,7 @@
           <a:ln/>
           <a:extLst>
             <a:ext uri="{91240B29-F687-4f45-9708-019B960494DF}">
-              <a14:hiddenLine xmlns:a14="http://schemas.microsoft.com/office/drawing/2010/main" xmlns="" w="9525">
+              <a14:hiddenLine xmlns="" xmlns:a14="http://schemas.microsoft.com/office/drawing/2010/main" w="9525">
                 <a:solidFill>
                   <a:srgbClr val="000000"/>
                 </a:solidFill>
@@ -4242,7 +4242,7 @@
           <a:p>
             <a:fld id="{DEA6EBF0-8E22-42A7-9BEA-2AC7066E6498}" type="datetimeFigureOut">
               <a:rPr lang="ko-KR" altLang="en-US" smtClean="0"/>
-              <a:t>2023-01-13</a:t>
+              <a:t>2023-09-04</a:t>
             </a:fld>
             <a:endParaRPr lang="ko-KR" altLang="en-US"/>
           </a:p>
@@ -4337,7 +4337,7 @@
           <a:p>
             <a:fld id="{DEA6EBF0-8E22-42A7-9BEA-2AC7066E6498}" type="datetimeFigureOut">
               <a:rPr lang="ko-KR" altLang="en-US" smtClean="0"/>
-              <a:t>2023-01-13</a:t>
+              <a:t>2023-09-04</a:t>
             </a:fld>
             <a:endParaRPr lang="ko-KR" altLang="en-US"/>
           </a:p>
@@ -4605,7 +4605,7 @@
           <a:ln/>
           <a:extLst>
             <a:ext uri="{91240B29-F687-4f45-9708-019B960494DF}">
-              <a14:hiddenLine xmlns:a14="http://schemas.microsoft.com/office/drawing/2010/main" xmlns="" w="9525">
+              <a14:hiddenLine xmlns="" xmlns:a14="http://schemas.microsoft.com/office/drawing/2010/main" w="9525">
                 <a:solidFill>
                   <a:srgbClr val="000000"/>
                 </a:solidFill>
@@ -4804,7 +4804,7 @@
           <a:p>
             <a:fld id="{DEA6EBF0-8E22-42A7-9BEA-2AC7066E6498}" type="datetimeFigureOut">
               <a:rPr lang="ko-KR" altLang="en-US" smtClean="0"/>
-              <a:t>2023-01-13</a:t>
+              <a:t>2023-09-04</a:t>
             </a:fld>
             <a:endParaRPr lang="ko-KR" altLang="en-US"/>
           </a:p>
@@ -5117,7 +5117,7 @@
           <a:p>
             <a:fld id="{DEA6EBF0-8E22-42A7-9BEA-2AC7066E6498}" type="datetimeFigureOut">
               <a:rPr lang="ko-KR" altLang="en-US" smtClean="0"/>
-              <a:t>2023-01-13</a:t>
+              <a:t>2023-09-04</a:t>
             </a:fld>
             <a:endParaRPr lang="ko-KR" altLang="en-US"/>
           </a:p>
@@ -5387,7 +5387,7 @@
           <a:p>
             <a:fld id="{DEA6EBF0-8E22-42A7-9BEA-2AC7066E6498}" type="datetimeFigureOut">
               <a:rPr lang="ko-KR" altLang="en-US" smtClean="0"/>
-              <a:t>2023-01-13</a:t>
+              <a:t>2023-09-04</a:t>
             </a:fld>
             <a:endParaRPr lang="ko-KR" altLang="en-US"/>
           </a:p>
@@ -6459,7 +6459,7 @@
             <a:pPr algn="ctr"/>
             <a:r>
               <a:rPr lang="en-US" altLang="ko-KR" dirty="0"/>
-              <a:t>../sample/Lib/tester </a:t>
+              <a:t>Lib/tester </a:t>
             </a:r>
           </a:p>
           <a:p>
@@ -7008,7 +7008,7 @@
             <a:pPr algn="ctr"/>
             <a:r>
               <a:rPr lang="en-US" altLang="ko-KR" dirty="0"/>
-              <a:t>../sample/Lib/tester </a:t>
+              <a:t>Lib/tester </a:t>
             </a:r>
           </a:p>
           <a:p>
@@ -7557,7 +7557,7 @@
             <a:pPr algn="ctr"/>
             <a:r>
               <a:rPr lang="en-US" altLang="ko-KR" dirty="0"/>
-              <a:t>../sample/Lib/tester </a:t>
+              <a:t>Lib/tester </a:t>
             </a:r>
           </a:p>
           <a:p>

--- a/DsDotNet/src/UnitTest/UnitTest.Model/ImportOfficeExample/ppt/T5_Call.pptx
+++ b/DsDotNet/src/UnitTest/UnitTest.Model/ImportOfficeExample/ppt/T5_Call.pptx
@@ -218,7 +218,7 @@
           <a:p>
             <a:fld id="{DD503887-5801-43A0-AEF9-041E8DDC2558}" type="datetimeFigureOut">
               <a:rPr lang="ko-KR" altLang="en-US" smtClean="0"/>
-              <a:t>2023-09-04</a:t>
+              <a:t>2023-11-05</a:t>
             </a:fld>
             <a:endParaRPr lang="ko-KR" altLang="en-US"/>
           </a:p>
@@ -395,7 +395,7 @@
           <a:p>
             <a:fld id="{95336A0E-57B1-4D4C-BD9B-2F72B5943464}" type="datetimeFigureOut">
               <a:rPr lang="ko-KR" altLang="en-US" smtClean="0"/>
-              <a:t>2023-09-04</a:t>
+              <a:t>2023-11-05</a:t>
             </a:fld>
             <a:endParaRPr lang="ko-KR" altLang="en-US"/>
           </a:p>
@@ -757,7 +757,7 @@
           <a:effectLst/>
           <a:extLst>
             <a:ext uri="{91240B29-F687-4f45-9708-019B960494DF}">
-              <a14:hiddenLine xmlns="" xmlns:a14="http://schemas.microsoft.com/office/drawing/2010/main" w="9525">
+              <a14:hiddenLine xmlns:a14="http://schemas.microsoft.com/office/drawing/2010/main" xmlns="" w="9525">
                 <a:solidFill>
                   <a:srgbClr val="000000"/>
                 </a:solidFill>
@@ -949,7 +949,7 @@
           <a:p>
             <a:fld id="{DEA6EBF0-8E22-42A7-9BEA-2AC7066E6498}" type="datetimeFigureOut">
               <a:rPr lang="ko-KR" altLang="en-US" smtClean="0"/>
-              <a:t>2023-09-04</a:t>
+              <a:t>2023-11-05</a:t>
             </a:fld>
             <a:endParaRPr lang="ko-KR" altLang="en-US"/>
           </a:p>
@@ -1267,7 +1267,7 @@
           <a:p>
             <a:fld id="{DEA6EBF0-8E22-42A7-9BEA-2AC7066E6498}" type="datetimeFigureOut">
               <a:rPr lang="ko-KR" altLang="en-US" smtClean="0"/>
-              <a:t>2023-09-04</a:t>
+              <a:t>2023-11-05</a:t>
             </a:fld>
             <a:endParaRPr lang="ko-KR" altLang="en-US"/>
           </a:p>
@@ -1755,7 +1755,7 @@
           <a:p>
             <a:fld id="{DEA6EBF0-8E22-42A7-9BEA-2AC7066E6498}" type="datetimeFigureOut">
               <a:rPr lang="ko-KR" altLang="en-US" smtClean="0"/>
-              <a:t>2023-09-04</a:t>
+              <a:t>2023-11-05</a:t>
             </a:fld>
             <a:endParaRPr lang="ko-KR" altLang="en-US"/>
           </a:p>
@@ -2124,7 +2124,7 @@
           <a:p>
             <a:fld id="{DEA6EBF0-8E22-42A7-9BEA-2AC7066E6498}" type="datetimeFigureOut">
               <a:rPr lang="ko-KR" altLang="en-US" smtClean="0"/>
-              <a:t>2023-09-04</a:t>
+              <a:t>2023-11-05</a:t>
             </a:fld>
             <a:endParaRPr lang="ko-KR" altLang="en-US"/>
           </a:p>
@@ -2279,7 +2279,7 @@
           <a:ln/>
           <a:extLst>
             <a:ext uri="{91240B29-F687-4f45-9708-019B960494DF}">
-              <a14:hiddenLine xmlns="" xmlns:a14="http://schemas.microsoft.com/office/drawing/2010/main" w="9525">
+              <a14:hiddenLine xmlns:a14="http://schemas.microsoft.com/office/drawing/2010/main" xmlns="" w="9525">
                 <a:solidFill>
                   <a:srgbClr val="000000"/>
                 </a:solidFill>
@@ -2397,7 +2397,7 @@
           <a:p>
             <a:fld id="{DEA6EBF0-8E22-42A7-9BEA-2AC7066E6498}" type="datetimeFigureOut">
               <a:rPr lang="ko-KR" altLang="en-US" smtClean="0"/>
-              <a:t>2023-09-04</a:t>
+              <a:t>2023-11-05</a:t>
             </a:fld>
             <a:endParaRPr lang="ko-KR" altLang="en-US"/>
           </a:p>
@@ -2554,7 +2554,7 @@
           <a:ln/>
           <a:extLst>
             <a:ext uri="{91240B29-F687-4f45-9708-019B960494DF}">
-              <a14:hiddenLine xmlns="" xmlns:a14="http://schemas.microsoft.com/office/drawing/2010/main" w="9525">
+              <a14:hiddenLine xmlns:a14="http://schemas.microsoft.com/office/drawing/2010/main" xmlns="" w="9525">
                 <a:solidFill>
                   <a:srgbClr val="000000"/>
                 </a:solidFill>
@@ -2682,7 +2682,7 @@
           <a:p>
             <a:fld id="{DEA6EBF0-8E22-42A7-9BEA-2AC7066E6498}" type="datetimeFigureOut">
               <a:rPr lang="ko-KR" altLang="en-US" smtClean="0"/>
-              <a:t>2023-09-04</a:t>
+              <a:t>2023-11-05</a:t>
             </a:fld>
             <a:endParaRPr lang="ko-KR" altLang="en-US"/>
           </a:p>
@@ -2800,7 +2800,7 @@
           <a:p>
             <a:fld id="{DEA6EBF0-8E22-42A7-9BEA-2AC7066E6498}" type="datetimeFigureOut">
               <a:rPr lang="ko-KR" altLang="en-US" smtClean="0"/>
-              <a:t>2023-09-04</a:t>
+              <a:t>2023-11-05</a:t>
             </a:fld>
             <a:endParaRPr lang="ko-KR" altLang="en-US"/>
           </a:p>
@@ -2955,7 +2955,7 @@
           <a:ln/>
           <a:extLst>
             <a:ext uri="{91240B29-F687-4f45-9708-019B960494DF}">
-              <a14:hiddenLine xmlns="" xmlns:a14="http://schemas.microsoft.com/office/drawing/2010/main" w="9525">
+              <a14:hiddenLine xmlns:a14="http://schemas.microsoft.com/office/drawing/2010/main" xmlns="" w="9525">
                 <a:solidFill>
                   <a:srgbClr val="000000"/>
                 </a:solidFill>
@@ -3083,7 +3083,7 @@
           <a:p>
             <a:fld id="{DEA6EBF0-8E22-42A7-9BEA-2AC7066E6498}" type="datetimeFigureOut">
               <a:rPr lang="ko-KR" altLang="en-US" smtClean="0"/>
-              <a:t>2023-09-04</a:t>
+              <a:t>2023-11-05</a:t>
             </a:fld>
             <a:endParaRPr lang="ko-KR" altLang="en-US"/>
           </a:p>
@@ -3426,7 +3426,7 @@
           <a:p>
             <a:fld id="{DEA6EBF0-8E22-42A7-9BEA-2AC7066E6498}" type="datetimeFigureOut">
               <a:rPr lang="ko-KR" altLang="en-US" smtClean="0"/>
-              <a:t>2023-09-04</a:t>
+              <a:t>2023-11-05</a:t>
             </a:fld>
             <a:endParaRPr lang="ko-KR" altLang="en-US"/>
           </a:p>
@@ -3581,7 +3581,7 @@
           <a:ln/>
           <a:extLst>
             <a:ext uri="{91240B29-F687-4f45-9708-019B960494DF}">
-              <a14:hiddenLine xmlns="" xmlns:a14="http://schemas.microsoft.com/office/drawing/2010/main" w="9525">
+              <a14:hiddenLine xmlns:a14="http://schemas.microsoft.com/office/drawing/2010/main" xmlns="" w="9525">
                 <a:solidFill>
                   <a:srgbClr val="000000"/>
                 </a:solidFill>
@@ -3765,7 +3765,7 @@
           <a:p>
             <a:fld id="{DEA6EBF0-8E22-42A7-9BEA-2AC7066E6498}" type="datetimeFigureOut">
               <a:rPr lang="ko-KR" altLang="en-US" smtClean="0"/>
-              <a:t>2023-09-04</a:t>
+              <a:t>2023-11-05</a:t>
             </a:fld>
             <a:endParaRPr lang="ko-KR" altLang="en-US"/>
           </a:p>
@@ -3920,7 +3920,7 @@
           <a:ln/>
           <a:extLst>
             <a:ext uri="{91240B29-F687-4f45-9708-019B960494DF}">
-              <a14:hiddenLine xmlns="" xmlns:a14="http://schemas.microsoft.com/office/drawing/2010/main" w="9525">
+              <a14:hiddenLine xmlns:a14="http://schemas.microsoft.com/office/drawing/2010/main" xmlns="" w="9525">
                 <a:solidFill>
                   <a:srgbClr val="000000"/>
                 </a:solidFill>
@@ -4242,7 +4242,7 @@
           <a:p>
             <a:fld id="{DEA6EBF0-8E22-42A7-9BEA-2AC7066E6498}" type="datetimeFigureOut">
               <a:rPr lang="ko-KR" altLang="en-US" smtClean="0"/>
-              <a:t>2023-09-04</a:t>
+              <a:t>2023-11-05</a:t>
             </a:fld>
             <a:endParaRPr lang="ko-KR" altLang="en-US"/>
           </a:p>
@@ -4337,7 +4337,7 @@
           <a:p>
             <a:fld id="{DEA6EBF0-8E22-42A7-9BEA-2AC7066E6498}" type="datetimeFigureOut">
               <a:rPr lang="ko-KR" altLang="en-US" smtClean="0"/>
-              <a:t>2023-09-04</a:t>
+              <a:t>2023-11-05</a:t>
             </a:fld>
             <a:endParaRPr lang="ko-KR" altLang="en-US"/>
           </a:p>
@@ -4605,7 +4605,7 @@
           <a:ln/>
           <a:extLst>
             <a:ext uri="{91240B29-F687-4f45-9708-019B960494DF}">
-              <a14:hiddenLine xmlns="" xmlns:a14="http://schemas.microsoft.com/office/drawing/2010/main" w="9525">
+              <a14:hiddenLine xmlns:a14="http://schemas.microsoft.com/office/drawing/2010/main" xmlns="" w="9525">
                 <a:solidFill>
                   <a:srgbClr val="000000"/>
                 </a:solidFill>
@@ -4804,7 +4804,7 @@
           <a:p>
             <a:fld id="{DEA6EBF0-8E22-42A7-9BEA-2AC7066E6498}" type="datetimeFigureOut">
               <a:rPr lang="ko-KR" altLang="en-US" smtClean="0"/>
-              <a:t>2023-09-04</a:t>
+              <a:t>2023-11-05</a:t>
             </a:fld>
             <a:endParaRPr lang="ko-KR" altLang="en-US"/>
           </a:p>
@@ -5117,7 +5117,7 @@
           <a:p>
             <a:fld id="{DEA6EBF0-8E22-42A7-9BEA-2AC7066E6498}" type="datetimeFigureOut">
               <a:rPr lang="ko-KR" altLang="en-US" smtClean="0"/>
-              <a:t>2023-09-04</a:t>
+              <a:t>2023-11-05</a:t>
             </a:fld>
             <a:endParaRPr lang="ko-KR" altLang="en-US"/>
           </a:p>
@@ -5387,7 +5387,7 @@
           <a:p>
             <a:fld id="{DEA6EBF0-8E22-42A7-9BEA-2AC7066E6498}" type="datetimeFigureOut">
               <a:rPr lang="ko-KR" altLang="en-US" smtClean="0"/>
-              <a:t>2023-09-04</a:t>
+              <a:t>2023-11-05</a:t>
             </a:fld>
             <a:endParaRPr lang="ko-KR" altLang="en-US"/>
           </a:p>
@@ -6241,7 +6241,7 @@
                 <a:pPr algn="ctr"/>
                 <a:r>
                   <a:rPr lang="en-US" altLang="ko-KR" dirty="0"/>
-                  <a:t>SystemA $Func1</a:t>
+                  <a:t>SystemA .Func1</a:t>
                 </a:r>
                 <a:endParaRPr lang="ko-KR" altLang="en-US" dirty="0"/>
               </a:p>
@@ -6297,7 +6297,7 @@
                 <a:pPr algn="ctr"/>
                 <a:r>
                   <a:rPr lang="en-US" altLang="ko-KR" dirty="0"/>
-                  <a:t>SystemA $Func2</a:t>
+                  <a:t>SystemA .Func2</a:t>
                 </a:r>
                 <a:endParaRPr lang="ko-KR" altLang="en-US" dirty="0"/>
               </a:p>
@@ -6377,7 +6377,7 @@
           <a:p>
             <a:r>
               <a:rPr lang="en-US" altLang="ko-KR" dirty="0"/>
-              <a:t>Loading Name $ Api </a:t>
+              <a:t>Loading Name . Api </a:t>
             </a:r>
           </a:p>
           <a:p>
@@ -6395,7 +6395,7 @@
             </a:r>
             <a:r>
               <a:rPr lang="en-US" altLang="ko-KR" dirty="0"/>
-              <a:t>’$ ‘ </a:t>
+              <a:t>’. ‘ </a:t>
             </a:r>
             <a:r>
               <a:rPr lang="ko-KR" altLang="en-US" dirty="0"/>
@@ -6790,7 +6790,7 @@
                 <a:pPr algn="ctr"/>
                 <a:r>
                   <a:rPr lang="en-US" altLang="ko-KR" dirty="0"/>
-                  <a:t>SystemA $Func1</a:t>
+                  <a:t>SystemA .Func1</a:t>
                 </a:r>
                 <a:endParaRPr lang="ko-KR" altLang="en-US" dirty="0"/>
               </a:p>
@@ -6846,7 +6846,7 @@
                 <a:pPr algn="ctr"/>
                 <a:r>
                   <a:rPr lang="en-US" altLang="ko-KR" dirty="0"/>
-                  <a:t>SystemA $Func2</a:t>
+                  <a:t>SystemA .Func2</a:t>
                 </a:r>
                 <a:endParaRPr lang="ko-KR" altLang="en-US" dirty="0"/>
               </a:p>
@@ -6926,7 +6926,7 @@
           <a:p>
             <a:r>
               <a:rPr lang="en-US" altLang="ko-KR" dirty="0"/>
-              <a:t>Loading Name $ Api </a:t>
+              <a:t>Loading Name . Api </a:t>
             </a:r>
           </a:p>
           <a:p>
@@ -6944,7 +6944,7 @@
             </a:r>
             <a:r>
               <a:rPr lang="en-US" altLang="ko-KR" dirty="0"/>
-              <a:t>’$ ‘ </a:t>
+              <a:t>’. ‘ </a:t>
             </a:r>
             <a:r>
               <a:rPr lang="ko-KR" altLang="en-US" dirty="0"/>
@@ -7339,7 +7339,7 @@
                 <a:pPr algn="ctr"/>
                 <a:r>
                   <a:rPr lang="en-US" altLang="ko-KR" dirty="0"/>
-                  <a:t>SystemA $Func1</a:t>
+                  <a:t>SystemA .Func1</a:t>
                 </a:r>
                 <a:endParaRPr lang="ko-KR" altLang="en-US" dirty="0"/>
               </a:p>
@@ -7395,7 +7395,7 @@
                 <a:pPr algn="ctr"/>
                 <a:r>
                   <a:rPr lang="en-US" altLang="ko-KR" dirty="0"/>
-                  <a:t>SystemA $Func2</a:t>
+                  <a:t>SystemA .Func2</a:t>
                 </a:r>
                 <a:endParaRPr lang="ko-KR" altLang="en-US" dirty="0"/>
               </a:p>
@@ -7475,7 +7475,7 @@
           <a:p>
             <a:r>
               <a:rPr lang="en-US" altLang="ko-KR" dirty="0"/>
-              <a:t>Loading Name $ Api </a:t>
+              <a:t>Loading Name . Api </a:t>
             </a:r>
           </a:p>
           <a:p>
@@ -7493,7 +7493,7 @@
             </a:r>
             <a:r>
               <a:rPr lang="en-US" altLang="ko-KR" dirty="0"/>
-              <a:t>’$ ‘ </a:t>
+              <a:t>’. ‘ </a:t>
             </a:r>
             <a:r>
               <a:rPr lang="ko-KR" altLang="en-US" dirty="0"/>

--- a/DsDotNet/src/UnitTest/UnitTest.Model/ImportOfficeExample/ppt/T5_Call.pptx
+++ b/DsDotNet/src/UnitTest/UnitTest.Model/ImportOfficeExample/ppt/T5_Call.pptx
@@ -218,7 +218,7 @@
           <a:p>
             <a:fld id="{DD503887-5801-43A0-AEF9-041E8DDC2558}" type="datetimeFigureOut">
               <a:rPr lang="ko-KR" altLang="en-US" smtClean="0"/>
-              <a:t>2023-11-05</a:t>
+              <a:t>2023-11-12</a:t>
             </a:fld>
             <a:endParaRPr lang="ko-KR" altLang="en-US"/>
           </a:p>
@@ -395,7 +395,7 @@
           <a:p>
             <a:fld id="{95336A0E-57B1-4D4C-BD9B-2F72B5943464}" type="datetimeFigureOut">
               <a:rPr lang="ko-KR" altLang="en-US" smtClean="0"/>
-              <a:t>2023-11-05</a:t>
+              <a:t>2023-11-12</a:t>
             </a:fld>
             <a:endParaRPr lang="ko-KR" altLang="en-US"/>
           </a:p>
@@ -757,7 +757,7 @@
           <a:effectLst/>
           <a:extLst>
             <a:ext uri="{91240B29-F687-4f45-9708-019B960494DF}">
-              <a14:hiddenLine xmlns:a14="http://schemas.microsoft.com/office/drawing/2010/main" xmlns="" w="9525">
+              <a14:hiddenLine xmlns="" xmlns:a14="http://schemas.microsoft.com/office/drawing/2010/main" w="9525">
                 <a:solidFill>
                   <a:srgbClr val="000000"/>
                 </a:solidFill>
@@ -949,7 +949,7 @@
           <a:p>
             <a:fld id="{DEA6EBF0-8E22-42A7-9BEA-2AC7066E6498}" type="datetimeFigureOut">
               <a:rPr lang="ko-KR" altLang="en-US" smtClean="0"/>
-              <a:t>2023-11-05</a:t>
+              <a:t>2023-11-12</a:t>
             </a:fld>
             <a:endParaRPr lang="ko-KR" altLang="en-US"/>
           </a:p>
@@ -1267,7 +1267,7 @@
           <a:p>
             <a:fld id="{DEA6EBF0-8E22-42A7-9BEA-2AC7066E6498}" type="datetimeFigureOut">
               <a:rPr lang="ko-KR" altLang="en-US" smtClean="0"/>
-              <a:t>2023-11-05</a:t>
+              <a:t>2023-11-12</a:t>
             </a:fld>
             <a:endParaRPr lang="ko-KR" altLang="en-US"/>
           </a:p>
@@ -1755,7 +1755,7 @@
           <a:p>
             <a:fld id="{DEA6EBF0-8E22-42A7-9BEA-2AC7066E6498}" type="datetimeFigureOut">
               <a:rPr lang="ko-KR" altLang="en-US" smtClean="0"/>
-              <a:t>2023-11-05</a:t>
+              <a:t>2023-11-12</a:t>
             </a:fld>
             <a:endParaRPr lang="ko-KR" altLang="en-US"/>
           </a:p>
@@ -2124,7 +2124,7 @@
           <a:p>
             <a:fld id="{DEA6EBF0-8E22-42A7-9BEA-2AC7066E6498}" type="datetimeFigureOut">
               <a:rPr lang="ko-KR" altLang="en-US" smtClean="0"/>
-              <a:t>2023-11-05</a:t>
+              <a:t>2023-11-12</a:t>
             </a:fld>
             <a:endParaRPr lang="ko-KR" altLang="en-US"/>
           </a:p>
@@ -2279,7 +2279,7 @@
           <a:ln/>
           <a:extLst>
             <a:ext uri="{91240B29-F687-4f45-9708-019B960494DF}">
-              <a14:hiddenLine xmlns:a14="http://schemas.microsoft.com/office/drawing/2010/main" xmlns="" w="9525">
+              <a14:hiddenLine xmlns="" xmlns:a14="http://schemas.microsoft.com/office/drawing/2010/main" w="9525">
                 <a:solidFill>
                   <a:srgbClr val="000000"/>
                 </a:solidFill>
@@ -2397,7 +2397,7 @@
           <a:p>
             <a:fld id="{DEA6EBF0-8E22-42A7-9BEA-2AC7066E6498}" type="datetimeFigureOut">
               <a:rPr lang="ko-KR" altLang="en-US" smtClean="0"/>
-              <a:t>2023-11-05</a:t>
+              <a:t>2023-11-12</a:t>
             </a:fld>
             <a:endParaRPr lang="ko-KR" altLang="en-US"/>
           </a:p>
@@ -2554,7 +2554,7 @@
           <a:ln/>
           <a:extLst>
             <a:ext uri="{91240B29-F687-4f45-9708-019B960494DF}">
-              <a14:hiddenLine xmlns:a14="http://schemas.microsoft.com/office/drawing/2010/main" xmlns="" w="9525">
+              <a14:hiddenLine xmlns="" xmlns:a14="http://schemas.microsoft.com/office/drawing/2010/main" w="9525">
                 <a:solidFill>
                   <a:srgbClr val="000000"/>
                 </a:solidFill>
@@ -2682,7 +2682,7 @@
           <a:p>
             <a:fld id="{DEA6EBF0-8E22-42A7-9BEA-2AC7066E6498}" type="datetimeFigureOut">
               <a:rPr lang="ko-KR" altLang="en-US" smtClean="0"/>
-              <a:t>2023-11-05</a:t>
+              <a:t>2023-11-12</a:t>
             </a:fld>
             <a:endParaRPr lang="ko-KR" altLang="en-US"/>
           </a:p>
@@ -2800,7 +2800,7 @@
           <a:p>
             <a:fld id="{DEA6EBF0-8E22-42A7-9BEA-2AC7066E6498}" type="datetimeFigureOut">
               <a:rPr lang="ko-KR" altLang="en-US" smtClean="0"/>
-              <a:t>2023-11-05</a:t>
+              <a:t>2023-11-12</a:t>
             </a:fld>
             <a:endParaRPr lang="ko-KR" altLang="en-US"/>
           </a:p>
@@ -2955,7 +2955,7 @@
           <a:ln/>
           <a:extLst>
             <a:ext uri="{91240B29-F687-4f45-9708-019B960494DF}">
-              <a14:hiddenLine xmlns:a14="http://schemas.microsoft.com/office/drawing/2010/main" xmlns="" w="9525">
+              <a14:hiddenLine xmlns="" xmlns:a14="http://schemas.microsoft.com/office/drawing/2010/main" w="9525">
                 <a:solidFill>
                   <a:srgbClr val="000000"/>
                 </a:solidFill>
@@ -3083,7 +3083,7 @@
           <a:p>
             <a:fld id="{DEA6EBF0-8E22-42A7-9BEA-2AC7066E6498}" type="datetimeFigureOut">
               <a:rPr lang="ko-KR" altLang="en-US" smtClean="0"/>
-              <a:t>2023-11-05</a:t>
+              <a:t>2023-11-12</a:t>
             </a:fld>
             <a:endParaRPr lang="ko-KR" altLang="en-US"/>
           </a:p>
@@ -3426,7 +3426,7 @@
           <a:p>
             <a:fld id="{DEA6EBF0-8E22-42A7-9BEA-2AC7066E6498}" type="datetimeFigureOut">
               <a:rPr lang="ko-KR" altLang="en-US" smtClean="0"/>
-              <a:t>2023-11-05</a:t>
+              <a:t>2023-11-12</a:t>
             </a:fld>
             <a:endParaRPr lang="ko-KR" altLang="en-US"/>
           </a:p>
@@ -3581,7 +3581,7 @@
           <a:ln/>
           <a:extLst>
             <a:ext uri="{91240B29-F687-4f45-9708-019B960494DF}">
-              <a14:hiddenLine xmlns:a14="http://schemas.microsoft.com/office/drawing/2010/main" xmlns="" w="9525">
+              <a14:hiddenLine xmlns="" xmlns:a14="http://schemas.microsoft.com/office/drawing/2010/main" w="9525">
                 <a:solidFill>
                   <a:srgbClr val="000000"/>
                 </a:solidFill>
@@ -3765,7 +3765,7 @@
           <a:p>
             <a:fld id="{DEA6EBF0-8E22-42A7-9BEA-2AC7066E6498}" type="datetimeFigureOut">
               <a:rPr lang="ko-KR" altLang="en-US" smtClean="0"/>
-              <a:t>2023-11-05</a:t>
+              <a:t>2023-11-12</a:t>
             </a:fld>
             <a:endParaRPr lang="ko-KR" altLang="en-US"/>
           </a:p>
@@ -3920,7 +3920,7 @@
           <a:ln/>
           <a:extLst>
             <a:ext uri="{91240B29-F687-4f45-9708-019B960494DF}">
-              <a14:hiddenLine xmlns:a14="http://schemas.microsoft.com/office/drawing/2010/main" xmlns="" w="9525">
+              <a14:hiddenLine xmlns="" xmlns:a14="http://schemas.microsoft.com/office/drawing/2010/main" w="9525">
                 <a:solidFill>
                   <a:srgbClr val="000000"/>
                 </a:solidFill>
@@ -4242,7 +4242,7 @@
           <a:p>
             <a:fld id="{DEA6EBF0-8E22-42A7-9BEA-2AC7066E6498}" type="datetimeFigureOut">
               <a:rPr lang="ko-KR" altLang="en-US" smtClean="0"/>
-              <a:t>2023-11-05</a:t>
+              <a:t>2023-11-12</a:t>
             </a:fld>
             <a:endParaRPr lang="ko-KR" altLang="en-US"/>
           </a:p>
@@ -4337,7 +4337,7 @@
           <a:p>
             <a:fld id="{DEA6EBF0-8E22-42A7-9BEA-2AC7066E6498}" type="datetimeFigureOut">
               <a:rPr lang="ko-KR" altLang="en-US" smtClean="0"/>
-              <a:t>2023-11-05</a:t>
+              <a:t>2023-11-12</a:t>
             </a:fld>
             <a:endParaRPr lang="ko-KR" altLang="en-US"/>
           </a:p>
@@ -4605,7 +4605,7 @@
           <a:ln/>
           <a:extLst>
             <a:ext uri="{91240B29-F687-4f45-9708-019B960494DF}">
-              <a14:hiddenLine xmlns:a14="http://schemas.microsoft.com/office/drawing/2010/main" xmlns="" w="9525">
+              <a14:hiddenLine xmlns="" xmlns:a14="http://schemas.microsoft.com/office/drawing/2010/main" w="9525">
                 <a:solidFill>
                   <a:srgbClr val="000000"/>
                 </a:solidFill>
@@ -4804,7 +4804,7 @@
           <a:p>
             <a:fld id="{DEA6EBF0-8E22-42A7-9BEA-2AC7066E6498}" type="datetimeFigureOut">
               <a:rPr lang="ko-KR" altLang="en-US" smtClean="0"/>
-              <a:t>2023-11-05</a:t>
+              <a:t>2023-11-12</a:t>
             </a:fld>
             <a:endParaRPr lang="ko-KR" altLang="en-US"/>
           </a:p>
@@ -5117,7 +5117,7 @@
           <a:p>
             <a:fld id="{DEA6EBF0-8E22-42A7-9BEA-2AC7066E6498}" type="datetimeFigureOut">
               <a:rPr lang="ko-KR" altLang="en-US" smtClean="0"/>
-              <a:t>2023-11-05</a:t>
+              <a:t>2023-11-12</a:t>
             </a:fld>
             <a:endParaRPr lang="ko-KR" altLang="en-US"/>
           </a:p>
@@ -5387,7 +5387,7 @@
           <a:p>
             <a:fld id="{DEA6EBF0-8E22-42A7-9BEA-2AC7066E6498}" type="datetimeFigureOut">
               <a:rPr lang="ko-KR" altLang="en-US" smtClean="0"/>
-              <a:t>2023-11-05</a:t>
+              <a:t>2023-11-12</a:t>
             </a:fld>
             <a:endParaRPr lang="ko-KR" altLang="en-US"/>
           </a:p>
@@ -6458,8 +6458,19 @@
           <a:p>
             <a:pPr algn="ctr"/>
             <a:r>
+              <a:rPr lang="en-US" altLang="ko-KR" sz="1800" dirty="0"/>
+              <a:t>../Sample</a:t>
+            </a:r>
+          </a:p>
+          <a:p>
+            <a:pPr algn="ctr"/>
+            <a:r>
+              <a:rPr lang="en-US" altLang="ko-KR" sz="1800" dirty="0"/>
+              <a:t>/Lib</a:t>
+            </a:r>
+            <a:r>
               <a:rPr lang="en-US" altLang="ko-KR" dirty="0"/>
-              <a:t>Lib/tester </a:t>
+              <a:t>/tester </a:t>
             </a:r>
           </a:p>
           <a:p>
@@ -7007,8 +7018,19 @@
           <a:p>
             <a:pPr algn="ctr"/>
             <a:r>
+              <a:rPr lang="en-US" altLang="ko-KR" sz="1800" dirty="0"/>
+              <a:t>../Sample</a:t>
+            </a:r>
+          </a:p>
+          <a:p>
+            <a:pPr algn="ctr"/>
+            <a:r>
+              <a:rPr lang="en-US" altLang="ko-KR" sz="1800" dirty="0"/>
+              <a:t>/Lib</a:t>
+            </a:r>
+            <a:r>
               <a:rPr lang="en-US" altLang="ko-KR" dirty="0"/>
-              <a:t>Lib/tester </a:t>
+              <a:t>/tester </a:t>
             </a:r>
           </a:p>
           <a:p>
@@ -7556,8 +7578,23 @@
           <a:p>
             <a:pPr algn="ctr"/>
             <a:r>
+              <a:rPr lang="en-US" altLang="ko-KR" sz="1800" dirty="0"/>
+              <a:t>../Sample</a:t>
+            </a:r>
+          </a:p>
+          <a:p>
+            <a:pPr algn="ctr"/>
+            <a:r>
+              <a:rPr lang="en-US" altLang="ko-KR" sz="1800"/>
+              <a:t>/Lib</a:t>
+            </a:r>
+            <a:r>
+              <a:rPr lang="en-US" altLang="ko-KR"/>
+              <a:t>/</a:t>
+            </a:r>
+            <a:r>
               <a:rPr lang="en-US" altLang="ko-KR" dirty="0"/>
-              <a:t>Lib/tester </a:t>
+              <a:t>tester </a:t>
             </a:r>
           </a:p>
           <a:p>

--- a/DsDotNet/src/UnitTest/UnitTest.Model/ImportOfficeExample/ppt/T5_Call.pptx
+++ b/DsDotNet/src/UnitTest/UnitTest.Model/ImportOfficeExample/ppt/T5_Call.pptx
@@ -218,7 +218,7 @@
           <a:p>
             <a:fld id="{DD503887-5801-43A0-AEF9-041E8DDC2558}" type="datetimeFigureOut">
               <a:rPr lang="ko-KR" altLang="en-US" smtClean="0"/>
-              <a:t>2023-11-12</a:t>
+              <a:t>2024-03-13</a:t>
             </a:fld>
             <a:endParaRPr lang="ko-KR" altLang="en-US"/>
           </a:p>
@@ -395,7 +395,7 @@
           <a:p>
             <a:fld id="{95336A0E-57B1-4D4C-BD9B-2F72B5943464}" type="datetimeFigureOut">
               <a:rPr lang="ko-KR" altLang="en-US" smtClean="0"/>
-              <a:t>2023-11-12</a:t>
+              <a:t>2024-03-13</a:t>
             </a:fld>
             <a:endParaRPr lang="ko-KR" altLang="en-US"/>
           </a:p>
@@ -757,7 +757,7 @@
           <a:effectLst/>
           <a:extLst>
             <a:ext uri="{91240B29-F687-4f45-9708-019B960494DF}">
-              <a14:hiddenLine xmlns="" xmlns:a14="http://schemas.microsoft.com/office/drawing/2010/main" w="9525">
+              <a14:hiddenLine xmlns:a14="http://schemas.microsoft.com/office/drawing/2010/main" xmlns="" w="9525">
                 <a:solidFill>
                   <a:srgbClr val="000000"/>
                 </a:solidFill>
@@ -949,7 +949,7 @@
           <a:p>
             <a:fld id="{DEA6EBF0-8E22-42A7-9BEA-2AC7066E6498}" type="datetimeFigureOut">
               <a:rPr lang="ko-KR" altLang="en-US" smtClean="0"/>
-              <a:t>2023-11-12</a:t>
+              <a:t>2024-03-13</a:t>
             </a:fld>
             <a:endParaRPr lang="ko-KR" altLang="en-US"/>
           </a:p>
@@ -1267,7 +1267,7 @@
           <a:p>
             <a:fld id="{DEA6EBF0-8E22-42A7-9BEA-2AC7066E6498}" type="datetimeFigureOut">
               <a:rPr lang="ko-KR" altLang="en-US" smtClean="0"/>
-              <a:t>2023-11-12</a:t>
+              <a:t>2024-03-13</a:t>
             </a:fld>
             <a:endParaRPr lang="ko-KR" altLang="en-US"/>
           </a:p>
@@ -1755,7 +1755,7 @@
           <a:p>
             <a:fld id="{DEA6EBF0-8E22-42A7-9BEA-2AC7066E6498}" type="datetimeFigureOut">
               <a:rPr lang="ko-KR" altLang="en-US" smtClean="0"/>
-              <a:t>2023-11-12</a:t>
+              <a:t>2024-03-13</a:t>
             </a:fld>
             <a:endParaRPr lang="ko-KR" altLang="en-US"/>
           </a:p>
@@ -2124,7 +2124,7 @@
           <a:p>
             <a:fld id="{DEA6EBF0-8E22-42A7-9BEA-2AC7066E6498}" type="datetimeFigureOut">
               <a:rPr lang="ko-KR" altLang="en-US" smtClean="0"/>
-              <a:t>2023-11-12</a:t>
+              <a:t>2024-03-13</a:t>
             </a:fld>
             <a:endParaRPr lang="ko-KR" altLang="en-US"/>
           </a:p>
@@ -2279,7 +2279,7 @@
           <a:ln/>
           <a:extLst>
             <a:ext uri="{91240B29-F687-4f45-9708-019B960494DF}">
-              <a14:hiddenLine xmlns="" xmlns:a14="http://schemas.microsoft.com/office/drawing/2010/main" w="9525">
+              <a14:hiddenLine xmlns:a14="http://schemas.microsoft.com/office/drawing/2010/main" xmlns="" w="9525">
                 <a:solidFill>
                   <a:srgbClr val="000000"/>
                 </a:solidFill>
@@ -2397,7 +2397,7 @@
           <a:p>
             <a:fld id="{DEA6EBF0-8E22-42A7-9BEA-2AC7066E6498}" type="datetimeFigureOut">
               <a:rPr lang="ko-KR" altLang="en-US" smtClean="0"/>
-              <a:t>2023-11-12</a:t>
+              <a:t>2024-03-13</a:t>
             </a:fld>
             <a:endParaRPr lang="ko-KR" altLang="en-US"/>
           </a:p>
@@ -2554,7 +2554,7 @@
           <a:ln/>
           <a:extLst>
             <a:ext uri="{91240B29-F687-4f45-9708-019B960494DF}">
-              <a14:hiddenLine xmlns="" xmlns:a14="http://schemas.microsoft.com/office/drawing/2010/main" w="9525">
+              <a14:hiddenLine xmlns:a14="http://schemas.microsoft.com/office/drawing/2010/main" xmlns="" w="9525">
                 <a:solidFill>
                   <a:srgbClr val="000000"/>
                 </a:solidFill>
@@ -2682,7 +2682,7 @@
           <a:p>
             <a:fld id="{DEA6EBF0-8E22-42A7-9BEA-2AC7066E6498}" type="datetimeFigureOut">
               <a:rPr lang="ko-KR" altLang="en-US" smtClean="0"/>
-              <a:t>2023-11-12</a:t>
+              <a:t>2024-03-13</a:t>
             </a:fld>
             <a:endParaRPr lang="ko-KR" altLang="en-US"/>
           </a:p>
@@ -2800,7 +2800,7 @@
           <a:p>
             <a:fld id="{DEA6EBF0-8E22-42A7-9BEA-2AC7066E6498}" type="datetimeFigureOut">
               <a:rPr lang="ko-KR" altLang="en-US" smtClean="0"/>
-              <a:t>2023-11-12</a:t>
+              <a:t>2024-03-13</a:t>
             </a:fld>
             <a:endParaRPr lang="ko-KR" altLang="en-US"/>
           </a:p>
@@ -2955,7 +2955,7 @@
           <a:ln/>
           <a:extLst>
             <a:ext uri="{91240B29-F687-4f45-9708-019B960494DF}">
-              <a14:hiddenLine xmlns="" xmlns:a14="http://schemas.microsoft.com/office/drawing/2010/main" w="9525">
+              <a14:hiddenLine xmlns:a14="http://schemas.microsoft.com/office/drawing/2010/main" xmlns="" w="9525">
                 <a:solidFill>
                   <a:srgbClr val="000000"/>
                 </a:solidFill>
@@ -3083,7 +3083,7 @@
           <a:p>
             <a:fld id="{DEA6EBF0-8E22-42A7-9BEA-2AC7066E6498}" type="datetimeFigureOut">
               <a:rPr lang="ko-KR" altLang="en-US" smtClean="0"/>
-              <a:t>2023-11-12</a:t>
+              <a:t>2024-03-13</a:t>
             </a:fld>
             <a:endParaRPr lang="ko-KR" altLang="en-US"/>
           </a:p>
@@ -3426,7 +3426,7 @@
           <a:p>
             <a:fld id="{DEA6EBF0-8E22-42A7-9BEA-2AC7066E6498}" type="datetimeFigureOut">
               <a:rPr lang="ko-KR" altLang="en-US" smtClean="0"/>
-              <a:t>2023-11-12</a:t>
+              <a:t>2024-03-13</a:t>
             </a:fld>
             <a:endParaRPr lang="ko-KR" altLang="en-US"/>
           </a:p>
@@ -3581,7 +3581,7 @@
           <a:ln/>
           <a:extLst>
             <a:ext uri="{91240B29-F687-4f45-9708-019B960494DF}">
-              <a14:hiddenLine xmlns="" xmlns:a14="http://schemas.microsoft.com/office/drawing/2010/main" w="9525">
+              <a14:hiddenLine xmlns:a14="http://schemas.microsoft.com/office/drawing/2010/main" xmlns="" w="9525">
                 <a:solidFill>
                   <a:srgbClr val="000000"/>
                 </a:solidFill>
@@ -3765,7 +3765,7 @@
           <a:p>
             <a:fld id="{DEA6EBF0-8E22-42A7-9BEA-2AC7066E6498}" type="datetimeFigureOut">
               <a:rPr lang="ko-KR" altLang="en-US" smtClean="0"/>
-              <a:t>2023-11-12</a:t>
+              <a:t>2024-03-13</a:t>
             </a:fld>
             <a:endParaRPr lang="ko-KR" altLang="en-US"/>
           </a:p>
@@ -3920,7 +3920,7 @@
           <a:ln/>
           <a:extLst>
             <a:ext uri="{91240B29-F687-4f45-9708-019B960494DF}">
-              <a14:hiddenLine xmlns="" xmlns:a14="http://schemas.microsoft.com/office/drawing/2010/main" w="9525">
+              <a14:hiddenLine xmlns:a14="http://schemas.microsoft.com/office/drawing/2010/main" xmlns="" w="9525">
                 <a:solidFill>
                   <a:srgbClr val="000000"/>
                 </a:solidFill>
@@ -4242,7 +4242,7 @@
           <a:p>
             <a:fld id="{DEA6EBF0-8E22-42A7-9BEA-2AC7066E6498}" type="datetimeFigureOut">
               <a:rPr lang="ko-KR" altLang="en-US" smtClean="0"/>
-              <a:t>2023-11-12</a:t>
+              <a:t>2024-03-13</a:t>
             </a:fld>
             <a:endParaRPr lang="ko-KR" altLang="en-US"/>
           </a:p>
@@ -4337,7 +4337,7 @@
           <a:p>
             <a:fld id="{DEA6EBF0-8E22-42A7-9BEA-2AC7066E6498}" type="datetimeFigureOut">
               <a:rPr lang="ko-KR" altLang="en-US" smtClean="0"/>
-              <a:t>2023-11-12</a:t>
+              <a:t>2024-03-13</a:t>
             </a:fld>
             <a:endParaRPr lang="ko-KR" altLang="en-US"/>
           </a:p>
@@ -4605,7 +4605,7 @@
           <a:ln/>
           <a:extLst>
             <a:ext uri="{91240B29-F687-4f45-9708-019B960494DF}">
-              <a14:hiddenLine xmlns="" xmlns:a14="http://schemas.microsoft.com/office/drawing/2010/main" w="9525">
+              <a14:hiddenLine xmlns:a14="http://schemas.microsoft.com/office/drawing/2010/main" xmlns="" w="9525">
                 <a:solidFill>
                   <a:srgbClr val="000000"/>
                 </a:solidFill>
@@ -4804,7 +4804,7 @@
           <a:p>
             <a:fld id="{DEA6EBF0-8E22-42A7-9BEA-2AC7066E6498}" type="datetimeFigureOut">
               <a:rPr lang="ko-KR" altLang="en-US" smtClean="0"/>
-              <a:t>2023-11-12</a:t>
+              <a:t>2024-03-13</a:t>
             </a:fld>
             <a:endParaRPr lang="ko-KR" altLang="en-US"/>
           </a:p>
@@ -5117,7 +5117,7 @@
           <a:p>
             <a:fld id="{DEA6EBF0-8E22-42A7-9BEA-2AC7066E6498}" type="datetimeFigureOut">
               <a:rPr lang="ko-KR" altLang="en-US" smtClean="0"/>
-              <a:t>2023-11-12</a:t>
+              <a:t>2024-03-13</a:t>
             </a:fld>
             <a:endParaRPr lang="ko-KR" altLang="en-US"/>
           </a:p>
@@ -5387,7 +5387,7 @@
           <a:p>
             <a:fld id="{DEA6EBF0-8E22-42A7-9BEA-2AC7066E6498}" type="datetimeFigureOut">
               <a:rPr lang="ko-KR" altLang="en-US" smtClean="0"/>
-              <a:t>2023-11-12</a:t>
+              <a:t>2024-03-13</a:t>
             </a:fld>
             <a:endParaRPr lang="ko-KR" altLang="en-US"/>
           </a:p>
@@ -5858,8 +5858,8 @@
           <a:lstStyle/>
           <a:p>
             <a:r>
-              <a:rPr lang="en-US" altLang="ko-KR" dirty="0"/>
-              <a:t>Unit Test</a:t>
+              <a:rPr lang="en-US" altLang="ko-KR"/>
+              <a:t>T5_Call</a:t>
             </a:r>
             <a:endParaRPr lang="ko-KR" altLang="en-US" dirty="0"/>
           </a:p>

--- a/DsDotNet/src/UnitTest/UnitTest.Model/ImportOfficeExample/ppt/T5_Call.pptx
+++ b/DsDotNet/src/UnitTest/UnitTest.Model/ImportOfficeExample/ppt/T5_Call.pptx
@@ -757,7 +757,7 @@
           <a:effectLst/>
           <a:extLst>
             <a:ext uri="{91240B29-F687-4f45-9708-019B960494DF}">
-              <a14:hiddenLine xmlns:a14="http://schemas.microsoft.com/office/drawing/2010/main" xmlns="" w="9525">
+              <a14:hiddenLine xmlns="" xmlns:a14="http://schemas.microsoft.com/office/drawing/2010/main" w="9525">
                 <a:solidFill>
                   <a:srgbClr val="000000"/>
                 </a:solidFill>
@@ -2279,7 +2279,7 @@
           <a:ln/>
           <a:extLst>
             <a:ext uri="{91240B29-F687-4f45-9708-019B960494DF}">
-              <a14:hiddenLine xmlns:a14="http://schemas.microsoft.com/office/drawing/2010/main" xmlns="" w="9525">
+              <a14:hiddenLine xmlns="" xmlns:a14="http://schemas.microsoft.com/office/drawing/2010/main" w="9525">
                 <a:solidFill>
                   <a:srgbClr val="000000"/>
                 </a:solidFill>
@@ -2554,7 +2554,7 @@
           <a:ln/>
           <a:extLst>
             <a:ext uri="{91240B29-F687-4f45-9708-019B960494DF}">
-              <a14:hiddenLine xmlns:a14="http://schemas.microsoft.com/office/drawing/2010/main" xmlns="" w="9525">
+              <a14:hiddenLine xmlns="" xmlns:a14="http://schemas.microsoft.com/office/drawing/2010/main" w="9525">
                 <a:solidFill>
                   <a:srgbClr val="000000"/>
                 </a:solidFill>
@@ -2955,7 +2955,7 @@
           <a:ln/>
           <a:extLst>
             <a:ext uri="{91240B29-F687-4f45-9708-019B960494DF}">
-              <a14:hiddenLine xmlns:a14="http://schemas.microsoft.com/office/drawing/2010/main" xmlns="" w="9525">
+              <a14:hiddenLine xmlns="" xmlns:a14="http://schemas.microsoft.com/office/drawing/2010/main" w="9525">
                 <a:solidFill>
                   <a:srgbClr val="000000"/>
                 </a:solidFill>
@@ -3581,7 +3581,7 @@
           <a:ln/>
           <a:extLst>
             <a:ext uri="{91240B29-F687-4f45-9708-019B960494DF}">
-              <a14:hiddenLine xmlns:a14="http://schemas.microsoft.com/office/drawing/2010/main" xmlns="" w="9525">
+              <a14:hiddenLine xmlns="" xmlns:a14="http://schemas.microsoft.com/office/drawing/2010/main" w="9525">
                 <a:solidFill>
                   <a:srgbClr val="000000"/>
                 </a:solidFill>
@@ -3920,7 +3920,7 @@
           <a:ln/>
           <a:extLst>
             <a:ext uri="{91240B29-F687-4f45-9708-019B960494DF}">
-              <a14:hiddenLine xmlns:a14="http://schemas.microsoft.com/office/drawing/2010/main" xmlns="" w="9525">
+              <a14:hiddenLine xmlns="" xmlns:a14="http://schemas.microsoft.com/office/drawing/2010/main" w="9525">
                 <a:solidFill>
                   <a:srgbClr val="000000"/>
                 </a:solidFill>
@@ -4605,7 +4605,7 @@
           <a:ln/>
           <a:extLst>
             <a:ext uri="{91240B29-F687-4f45-9708-019B960494DF}">
-              <a14:hiddenLine xmlns:a14="http://schemas.microsoft.com/office/drawing/2010/main" xmlns="" w="9525">
+              <a14:hiddenLine xmlns="" xmlns:a14="http://schemas.microsoft.com/office/drawing/2010/main" w="9525">
                 <a:solidFill>
                   <a:srgbClr val="000000"/>
                 </a:solidFill>
@@ -6089,10 +6089,10 @@
       </p:cxnSp>
       <p:grpSp>
         <p:nvGrpSpPr>
-          <p:cNvPr id="8" name="그룹 7">
+          <p:cNvPr id="17" name="그룹 16">
             <a:extLst>
               <a:ext uri="{FF2B5EF4-FFF2-40B4-BE49-F238E27FC236}">
-                <a16:creationId xmlns:a16="http://schemas.microsoft.com/office/drawing/2014/main" id="{E4E86703-9197-722D-B1EF-887463109F89}"/>
+                <a16:creationId xmlns:a16="http://schemas.microsoft.com/office/drawing/2014/main" id="{7B1A0D1A-5404-85EF-3F64-2BFE38F07F17}"/>
               </a:ext>
             </a:extLst>
           </p:cNvPr>
@@ -6103,7 +6103,7 @@
           <a:xfrm>
             <a:off x="810000" y="2424605"/>
             <a:ext cx="5724526" cy="3590925"/>
-            <a:chOff x="848416" y="1962150"/>
+            <a:chOff x="810000" y="2424605"/>
             <a:chExt cx="5724526" cy="3590925"/>
           </a:xfrm>
         </p:grpSpPr>
@@ -6121,7 +6121,7 @@
           </p:nvSpPr>
           <p:spPr>
             <a:xfrm>
-              <a:off x="848416" y="1962150"/>
+              <a:off x="810000" y="2424605"/>
               <a:ext cx="5724526" cy="3590925"/>
             </a:xfrm>
             <a:prstGeom prst="rect">
@@ -6171,181 +6171,160 @@
             </a:p>
           </p:txBody>
         </p:sp>
-        <p:grpSp>
-          <p:nvGrpSpPr>
-            <p:cNvPr id="3" name="그룹 2">
+        <p:sp>
+          <p:nvSpPr>
+            <p:cNvPr id="11" name="타원 10">
               <a:extLst>
                 <a:ext uri="{FF2B5EF4-FFF2-40B4-BE49-F238E27FC236}">
-                  <a16:creationId xmlns:a16="http://schemas.microsoft.com/office/drawing/2014/main" id="{217DAACF-5BCB-5A30-66B8-057CF83D7D6F}"/>
+                  <a16:creationId xmlns:a16="http://schemas.microsoft.com/office/drawing/2014/main" id="{A8DEAF01-6D94-28CA-7567-1D6E7A30C46B}"/>
                 </a:ext>
               </a:extLst>
             </p:cNvPr>
-            <p:cNvGrpSpPr/>
+            <p:cNvSpPr/>
             <p:nvPr/>
-          </p:nvGrpSpPr>
-          <p:grpSpPr>
+          </p:nvSpPr>
+          <p:spPr>
             <a:xfrm>
-              <a:off x="1405973" y="2441441"/>
-              <a:ext cx="4398681" cy="2052964"/>
-              <a:chOff x="1314450" y="2476500"/>
-              <a:chExt cx="4476750" cy="2447925"/>
+              <a:off x="1367557" y="2903896"/>
+              <a:ext cx="1703319" cy="798819"/>
             </a:xfrm>
-          </p:grpSpPr>
-          <p:sp>
-            <p:nvSpPr>
-              <p:cNvPr id="11" name="타원 10">
-                <a:extLst>
-                  <a:ext uri="{FF2B5EF4-FFF2-40B4-BE49-F238E27FC236}">
-                    <a16:creationId xmlns:a16="http://schemas.microsoft.com/office/drawing/2014/main" id="{A8DEAF01-6D94-28CA-7567-1D6E7A30C46B}"/>
-                  </a:ext>
-                </a:extLst>
-              </p:cNvPr>
-              <p:cNvSpPr/>
-              <p:nvPr/>
-            </p:nvSpPr>
-            <p:spPr>
-              <a:xfrm>
-                <a:off x="1314450" y="2476500"/>
-                <a:ext cx="1733550" cy="952500"/>
-              </a:xfrm>
-              <a:prstGeom prst="ellipse">
-                <a:avLst/>
-              </a:prstGeom>
-              <a:solidFill>
-                <a:schemeClr val="accent4">
-                  <a:alpha val="50000"/>
-                </a:schemeClr>
-              </a:solidFill>
-              <a:ln>
-                <a:noFill/>
-              </a:ln>
-            </p:spPr>
-            <p:style>
-              <a:lnRef idx="0">
-                <a:scrgbClr r="0" g="0" b="0"/>
-              </a:lnRef>
-              <a:fillRef idx="0">
-                <a:scrgbClr r="0" g="0" b="0"/>
-              </a:fillRef>
-              <a:effectRef idx="0">
-                <a:scrgbClr r="0" g="0" b="0"/>
-              </a:effectRef>
-              <a:fontRef idx="minor">
-                <a:schemeClr val="lt1"/>
-              </a:fontRef>
-            </p:style>
-            <p:txBody>
-              <a:bodyPr rtlCol="0" anchor="ctr"/>
-              <a:lstStyle/>
-              <a:p>
-                <a:pPr algn="ctr"/>
-                <a:r>
-                  <a:rPr lang="en-US" altLang="ko-KR" dirty="0"/>
-                  <a:t>SystemA .Func1</a:t>
-                </a:r>
-                <a:endParaRPr lang="ko-KR" altLang="en-US" dirty="0"/>
-              </a:p>
-            </p:txBody>
-          </p:sp>
-          <p:sp>
-            <p:nvSpPr>
-              <p:cNvPr id="12" name="타원 11">
-                <a:extLst>
-                  <a:ext uri="{FF2B5EF4-FFF2-40B4-BE49-F238E27FC236}">
-                    <a16:creationId xmlns:a16="http://schemas.microsoft.com/office/drawing/2014/main" id="{97830B60-D108-9F85-29FC-869E4BDC5485}"/>
-                  </a:ext>
-                </a:extLst>
-              </p:cNvPr>
-              <p:cNvSpPr/>
-              <p:nvPr/>
-            </p:nvSpPr>
-            <p:spPr>
-              <a:xfrm>
-                <a:off x="4057650" y="3971925"/>
-                <a:ext cx="1733550" cy="952500"/>
-              </a:xfrm>
-              <a:prstGeom prst="ellipse">
-                <a:avLst/>
-              </a:prstGeom>
-              <a:solidFill>
-                <a:schemeClr val="accent4">
-                  <a:alpha val="50000"/>
-                </a:schemeClr>
-              </a:solidFill>
-              <a:ln>
-                <a:noFill/>
-              </a:ln>
-            </p:spPr>
-            <p:style>
-              <a:lnRef idx="0">
-                <a:scrgbClr r="0" g="0" b="0"/>
-              </a:lnRef>
-              <a:fillRef idx="0">
-                <a:scrgbClr r="0" g="0" b="0"/>
-              </a:fillRef>
-              <a:effectRef idx="0">
-                <a:scrgbClr r="0" g="0" b="0"/>
-              </a:effectRef>
-              <a:fontRef idx="minor">
-                <a:schemeClr val="lt1"/>
-              </a:fontRef>
-            </p:style>
-            <p:txBody>
-              <a:bodyPr rtlCol="0" anchor="ctr"/>
-              <a:lstStyle/>
-              <a:p>
-                <a:pPr algn="ctr"/>
-                <a:r>
-                  <a:rPr lang="en-US" altLang="ko-KR" dirty="0"/>
-                  <a:t>SystemA .Func2</a:t>
-                </a:r>
-                <a:endParaRPr lang="ko-KR" altLang="en-US" dirty="0"/>
-              </a:p>
-            </p:txBody>
-          </p:sp>
-          <p:cxnSp>
-            <p:nvCxnSpPr>
-              <p:cNvPr id="14" name="연결선: 꺾임 13">
-                <a:extLst>
-                  <a:ext uri="{FF2B5EF4-FFF2-40B4-BE49-F238E27FC236}">
-                    <a16:creationId xmlns:a16="http://schemas.microsoft.com/office/drawing/2014/main" id="{AA5A9BF2-AF58-9F27-CB69-91D64393C28C}"/>
-                  </a:ext>
-                </a:extLst>
-              </p:cNvPr>
-              <p:cNvCxnSpPr>
-                <a:stCxn id="11" idx="5"/>
-                <a:endCxn id="12" idx="1"/>
-              </p:cNvCxnSpPr>
-              <p:nvPr/>
-            </p:nvCxnSpPr>
-            <p:spPr>
-              <a:xfrm rot="16200000" flipH="1">
-                <a:off x="3141873" y="2941764"/>
-                <a:ext cx="821905" cy="1517396"/>
-              </a:xfrm>
-              <a:prstGeom prst="bentConnector3">
-                <a:avLst/>
-              </a:prstGeom>
-              <a:ln>
-                <a:tailEnd type="triangle"/>
-              </a:ln>
-            </p:spPr>
-            <p:style>
-              <a:lnRef idx="1">
-                <a:schemeClr val="accent4"/>
-              </a:lnRef>
-              <a:fillRef idx="0">
-                <a:schemeClr val="accent4"/>
-              </a:fillRef>
-              <a:effectRef idx="0">
-                <a:schemeClr val="accent4"/>
-              </a:effectRef>
-              <a:fontRef idx="minor">
-                <a:schemeClr val="tx1"/>
-              </a:fontRef>
-            </p:style>
-          </p:cxnSp>
-        </p:grpSp>
+            <a:prstGeom prst="ellipse">
+              <a:avLst/>
+            </a:prstGeom>
+            <a:solidFill>
+              <a:schemeClr val="accent4">
+                <a:alpha val="50000"/>
+              </a:schemeClr>
+            </a:solidFill>
+            <a:ln>
+              <a:noFill/>
+            </a:ln>
+          </p:spPr>
+          <p:style>
+            <a:lnRef idx="0">
+              <a:scrgbClr r="0" g="0" b="0"/>
+            </a:lnRef>
+            <a:fillRef idx="0">
+              <a:scrgbClr r="0" g="0" b="0"/>
+            </a:fillRef>
+            <a:effectRef idx="0">
+              <a:scrgbClr r="0" g="0" b="0"/>
+            </a:effectRef>
+            <a:fontRef idx="minor">
+              <a:schemeClr val="lt1"/>
+            </a:fontRef>
+          </p:style>
+          <p:txBody>
+            <a:bodyPr rtlCol="0" anchor="ctr"/>
+            <a:lstStyle/>
+            <a:p>
+              <a:pPr algn="ctr"/>
+              <a:r>
+                <a:rPr lang="en-US" altLang="ko-KR" dirty="0"/>
+                <a:t>SystemA .Func1</a:t>
+              </a:r>
+              <a:endParaRPr lang="ko-KR" altLang="en-US" dirty="0"/>
+            </a:p>
+          </p:txBody>
+        </p:sp>
+        <p:sp>
+          <p:nvSpPr>
+            <p:cNvPr id="12" name="타원 11">
+              <a:extLst>
+                <a:ext uri="{FF2B5EF4-FFF2-40B4-BE49-F238E27FC236}">
+                  <a16:creationId xmlns:a16="http://schemas.microsoft.com/office/drawing/2014/main" id="{97830B60-D108-9F85-29FC-869E4BDC5485}"/>
+                </a:ext>
+              </a:extLst>
+            </p:cNvPr>
+            <p:cNvSpPr/>
+            <p:nvPr/>
+          </p:nvSpPr>
+          <p:spPr>
+            <a:xfrm>
+              <a:off x="4062919" y="4158041"/>
+              <a:ext cx="1703319" cy="798819"/>
+            </a:xfrm>
+            <a:prstGeom prst="ellipse">
+              <a:avLst/>
+            </a:prstGeom>
+            <a:solidFill>
+              <a:schemeClr val="accent4">
+                <a:alpha val="50000"/>
+              </a:schemeClr>
+            </a:solidFill>
+            <a:ln>
+              <a:noFill/>
+            </a:ln>
+          </p:spPr>
+          <p:style>
+            <a:lnRef idx="0">
+              <a:scrgbClr r="0" g="0" b="0"/>
+            </a:lnRef>
+            <a:fillRef idx="0">
+              <a:scrgbClr r="0" g="0" b="0"/>
+            </a:fillRef>
+            <a:effectRef idx="0">
+              <a:scrgbClr r="0" g="0" b="0"/>
+            </a:effectRef>
+            <a:fontRef idx="minor">
+              <a:schemeClr val="lt1"/>
+            </a:fontRef>
+          </p:style>
+          <p:txBody>
+            <a:bodyPr rtlCol="0" anchor="ctr"/>
+            <a:lstStyle/>
+            <a:p>
+              <a:pPr algn="ctr"/>
+              <a:r>
+                <a:rPr lang="en-US" altLang="ko-KR" dirty="0"/>
+                <a:t>SystemA .Func2</a:t>
+              </a:r>
+              <a:endParaRPr lang="ko-KR" altLang="en-US" dirty="0"/>
+            </a:p>
+          </p:txBody>
+        </p:sp>
+        <p:cxnSp>
+          <p:nvCxnSpPr>
+            <p:cNvPr id="14" name="연결선: 꺾임 13">
+              <a:extLst>
+                <a:ext uri="{FF2B5EF4-FFF2-40B4-BE49-F238E27FC236}">
+                  <a16:creationId xmlns:a16="http://schemas.microsoft.com/office/drawing/2014/main" id="{AA5A9BF2-AF58-9F27-CB69-91D64393C28C}"/>
+                </a:ext>
+              </a:extLst>
+            </p:cNvPr>
+            <p:cNvCxnSpPr>
+              <a:stCxn id="11" idx="5"/>
+              <a:endCxn id="12" idx="1"/>
+            </p:cNvCxnSpPr>
+            <p:nvPr/>
+          </p:nvCxnSpPr>
+          <p:spPr>
+            <a:xfrm rot="16200000" flipH="1">
+              <a:off x="3222251" y="3184910"/>
+              <a:ext cx="689295" cy="1490934"/>
+            </a:xfrm>
+            <a:prstGeom prst="bentConnector3">
+              <a:avLst/>
+            </a:prstGeom>
+            <a:ln>
+              <a:tailEnd type="triangle"/>
+            </a:ln>
+          </p:spPr>
+          <p:style>
+            <a:lnRef idx="1">
+              <a:schemeClr val="accent4"/>
+            </a:lnRef>
+            <a:fillRef idx="0">
+              <a:schemeClr val="accent4"/>
+            </a:fillRef>
+            <a:effectRef idx="0">
+              <a:schemeClr val="accent4"/>
+            </a:effectRef>
+            <a:fontRef idx="minor">
+              <a:schemeClr val="tx1"/>
+            </a:fontRef>
+          </p:style>
+        </p:cxnSp>
       </p:grpSp>
       <p:sp>
         <p:nvSpPr>
@@ -6649,10 +6628,10 @@
       </p:cxnSp>
       <p:grpSp>
         <p:nvGrpSpPr>
-          <p:cNvPr id="8" name="그룹 7">
+          <p:cNvPr id="17" name="그룹 16">
             <a:extLst>
               <a:ext uri="{FF2B5EF4-FFF2-40B4-BE49-F238E27FC236}">
-                <a16:creationId xmlns:a16="http://schemas.microsoft.com/office/drawing/2014/main" id="{E4E86703-9197-722D-B1EF-887463109F89}"/>
+                <a16:creationId xmlns:a16="http://schemas.microsoft.com/office/drawing/2014/main" id="{971198FC-2F71-656F-95BD-B09B8671D8C1}"/>
               </a:ext>
             </a:extLst>
           </p:cNvPr>
@@ -6663,7 +6642,7 @@
           <a:xfrm>
             <a:off x="810000" y="2424605"/>
             <a:ext cx="5724526" cy="3590925"/>
-            <a:chOff x="848416" y="1962150"/>
+            <a:chOff x="810000" y="2424605"/>
             <a:chExt cx="5724526" cy="3590925"/>
           </a:xfrm>
         </p:grpSpPr>
@@ -6681,7 +6660,7 @@
           </p:nvSpPr>
           <p:spPr>
             <a:xfrm>
-              <a:off x="848416" y="1962150"/>
+              <a:off x="810000" y="2424605"/>
               <a:ext cx="5724526" cy="3590925"/>
             </a:xfrm>
             <a:prstGeom prst="rect">
@@ -6731,181 +6710,160 @@
             </a:p>
           </p:txBody>
         </p:sp>
-        <p:grpSp>
-          <p:nvGrpSpPr>
-            <p:cNvPr id="3" name="그룹 2">
+        <p:sp>
+          <p:nvSpPr>
+            <p:cNvPr id="11" name="타원 10">
               <a:extLst>
                 <a:ext uri="{FF2B5EF4-FFF2-40B4-BE49-F238E27FC236}">
-                  <a16:creationId xmlns:a16="http://schemas.microsoft.com/office/drawing/2014/main" id="{217DAACF-5BCB-5A30-66B8-057CF83D7D6F}"/>
+                  <a16:creationId xmlns:a16="http://schemas.microsoft.com/office/drawing/2014/main" id="{A8DEAF01-6D94-28CA-7567-1D6E7A30C46B}"/>
                 </a:ext>
               </a:extLst>
             </p:cNvPr>
-            <p:cNvGrpSpPr/>
+            <p:cNvSpPr/>
             <p:nvPr/>
-          </p:nvGrpSpPr>
-          <p:grpSpPr>
+          </p:nvSpPr>
+          <p:spPr>
             <a:xfrm>
-              <a:off x="1405973" y="2441441"/>
-              <a:ext cx="4398681" cy="2052964"/>
-              <a:chOff x="1314450" y="2476500"/>
-              <a:chExt cx="4476750" cy="2447925"/>
+              <a:off x="1367557" y="2903896"/>
+              <a:ext cx="1703319" cy="798819"/>
             </a:xfrm>
-          </p:grpSpPr>
-          <p:sp>
-            <p:nvSpPr>
-              <p:cNvPr id="11" name="타원 10">
-                <a:extLst>
-                  <a:ext uri="{FF2B5EF4-FFF2-40B4-BE49-F238E27FC236}">
-                    <a16:creationId xmlns:a16="http://schemas.microsoft.com/office/drawing/2014/main" id="{A8DEAF01-6D94-28CA-7567-1D6E7A30C46B}"/>
-                  </a:ext>
-                </a:extLst>
-              </p:cNvPr>
-              <p:cNvSpPr/>
-              <p:nvPr/>
-            </p:nvSpPr>
-            <p:spPr>
-              <a:xfrm>
-                <a:off x="1314450" y="2476500"/>
-                <a:ext cx="1733550" cy="952500"/>
-              </a:xfrm>
-              <a:prstGeom prst="ellipse">
-                <a:avLst/>
-              </a:prstGeom>
-              <a:solidFill>
-                <a:schemeClr val="accent4">
-                  <a:alpha val="50000"/>
-                </a:schemeClr>
-              </a:solidFill>
-              <a:ln>
-                <a:noFill/>
-              </a:ln>
-            </p:spPr>
-            <p:style>
-              <a:lnRef idx="0">
-                <a:scrgbClr r="0" g="0" b="0"/>
-              </a:lnRef>
-              <a:fillRef idx="0">
-                <a:scrgbClr r="0" g="0" b="0"/>
-              </a:fillRef>
-              <a:effectRef idx="0">
-                <a:scrgbClr r="0" g="0" b="0"/>
-              </a:effectRef>
-              <a:fontRef idx="minor">
-                <a:schemeClr val="lt1"/>
-              </a:fontRef>
-            </p:style>
-            <p:txBody>
-              <a:bodyPr rtlCol="0" anchor="ctr"/>
-              <a:lstStyle/>
-              <a:p>
-                <a:pPr algn="ctr"/>
-                <a:r>
-                  <a:rPr lang="en-US" altLang="ko-KR" dirty="0"/>
-                  <a:t>SystemA .Func1</a:t>
-                </a:r>
-                <a:endParaRPr lang="ko-KR" altLang="en-US" dirty="0"/>
-              </a:p>
-            </p:txBody>
-          </p:sp>
-          <p:sp>
-            <p:nvSpPr>
-              <p:cNvPr id="12" name="타원 11">
-                <a:extLst>
-                  <a:ext uri="{FF2B5EF4-FFF2-40B4-BE49-F238E27FC236}">
-                    <a16:creationId xmlns:a16="http://schemas.microsoft.com/office/drawing/2014/main" id="{97830B60-D108-9F85-29FC-869E4BDC5485}"/>
-                  </a:ext>
-                </a:extLst>
-              </p:cNvPr>
-              <p:cNvSpPr/>
-              <p:nvPr/>
-            </p:nvSpPr>
-            <p:spPr>
-              <a:xfrm>
-                <a:off x="4057650" y="3971925"/>
-                <a:ext cx="1733550" cy="952500"/>
-              </a:xfrm>
-              <a:prstGeom prst="ellipse">
-                <a:avLst/>
-              </a:prstGeom>
-              <a:solidFill>
-                <a:schemeClr val="accent4">
-                  <a:alpha val="50000"/>
-                </a:schemeClr>
-              </a:solidFill>
-              <a:ln>
-                <a:noFill/>
-              </a:ln>
-            </p:spPr>
-            <p:style>
-              <a:lnRef idx="0">
-                <a:scrgbClr r="0" g="0" b="0"/>
-              </a:lnRef>
-              <a:fillRef idx="0">
-                <a:scrgbClr r="0" g="0" b="0"/>
-              </a:fillRef>
-              <a:effectRef idx="0">
-                <a:scrgbClr r="0" g="0" b="0"/>
-              </a:effectRef>
-              <a:fontRef idx="minor">
-                <a:schemeClr val="lt1"/>
-              </a:fontRef>
-            </p:style>
-            <p:txBody>
-              <a:bodyPr rtlCol="0" anchor="ctr"/>
-              <a:lstStyle/>
-              <a:p>
-                <a:pPr algn="ctr"/>
-                <a:r>
-                  <a:rPr lang="en-US" altLang="ko-KR" dirty="0"/>
-                  <a:t>SystemA .Func2</a:t>
-                </a:r>
-                <a:endParaRPr lang="ko-KR" altLang="en-US" dirty="0"/>
-              </a:p>
-            </p:txBody>
-          </p:sp>
-          <p:cxnSp>
-            <p:nvCxnSpPr>
-              <p:cNvPr id="14" name="연결선: 꺾임 13">
-                <a:extLst>
-                  <a:ext uri="{FF2B5EF4-FFF2-40B4-BE49-F238E27FC236}">
-                    <a16:creationId xmlns:a16="http://schemas.microsoft.com/office/drawing/2014/main" id="{AA5A9BF2-AF58-9F27-CB69-91D64393C28C}"/>
-                  </a:ext>
-                </a:extLst>
-              </p:cNvPr>
-              <p:cNvCxnSpPr>
-                <a:stCxn id="11" idx="5"/>
-                <a:endCxn id="12" idx="1"/>
-              </p:cNvCxnSpPr>
-              <p:nvPr/>
-            </p:nvCxnSpPr>
-            <p:spPr>
-              <a:xfrm rot="16200000" flipH="1">
-                <a:off x="3141873" y="2941764"/>
-                <a:ext cx="821905" cy="1517396"/>
-              </a:xfrm>
-              <a:prstGeom prst="bentConnector3">
-                <a:avLst/>
-              </a:prstGeom>
-              <a:ln>
-                <a:tailEnd type="triangle"/>
-              </a:ln>
-            </p:spPr>
-            <p:style>
-              <a:lnRef idx="1">
-                <a:schemeClr val="accent4"/>
-              </a:lnRef>
-              <a:fillRef idx="0">
-                <a:schemeClr val="accent4"/>
-              </a:fillRef>
-              <a:effectRef idx="0">
-                <a:schemeClr val="accent4"/>
-              </a:effectRef>
-              <a:fontRef idx="minor">
-                <a:schemeClr val="tx1"/>
-              </a:fontRef>
-            </p:style>
-          </p:cxnSp>
-        </p:grpSp>
+            <a:prstGeom prst="ellipse">
+              <a:avLst/>
+            </a:prstGeom>
+            <a:solidFill>
+              <a:schemeClr val="accent4">
+                <a:alpha val="50000"/>
+              </a:schemeClr>
+            </a:solidFill>
+            <a:ln>
+              <a:noFill/>
+            </a:ln>
+          </p:spPr>
+          <p:style>
+            <a:lnRef idx="0">
+              <a:scrgbClr r="0" g="0" b="0"/>
+            </a:lnRef>
+            <a:fillRef idx="0">
+              <a:scrgbClr r="0" g="0" b="0"/>
+            </a:fillRef>
+            <a:effectRef idx="0">
+              <a:scrgbClr r="0" g="0" b="0"/>
+            </a:effectRef>
+            <a:fontRef idx="minor">
+              <a:schemeClr val="lt1"/>
+            </a:fontRef>
+          </p:style>
+          <p:txBody>
+            <a:bodyPr rtlCol="0" anchor="ctr"/>
+            <a:lstStyle/>
+            <a:p>
+              <a:pPr algn="ctr"/>
+              <a:r>
+                <a:rPr lang="en-US" altLang="ko-KR" dirty="0"/>
+                <a:t>SystemA .Func1</a:t>
+              </a:r>
+              <a:endParaRPr lang="ko-KR" altLang="en-US" dirty="0"/>
+            </a:p>
+          </p:txBody>
+        </p:sp>
+        <p:sp>
+          <p:nvSpPr>
+            <p:cNvPr id="12" name="타원 11">
+              <a:extLst>
+                <a:ext uri="{FF2B5EF4-FFF2-40B4-BE49-F238E27FC236}">
+                  <a16:creationId xmlns:a16="http://schemas.microsoft.com/office/drawing/2014/main" id="{97830B60-D108-9F85-29FC-869E4BDC5485}"/>
+                </a:ext>
+              </a:extLst>
+            </p:cNvPr>
+            <p:cNvSpPr/>
+            <p:nvPr/>
+          </p:nvSpPr>
+          <p:spPr>
+            <a:xfrm>
+              <a:off x="4062919" y="4158041"/>
+              <a:ext cx="1703319" cy="798819"/>
+            </a:xfrm>
+            <a:prstGeom prst="ellipse">
+              <a:avLst/>
+            </a:prstGeom>
+            <a:solidFill>
+              <a:schemeClr val="accent4">
+                <a:alpha val="50000"/>
+              </a:schemeClr>
+            </a:solidFill>
+            <a:ln>
+              <a:noFill/>
+            </a:ln>
+          </p:spPr>
+          <p:style>
+            <a:lnRef idx="0">
+              <a:scrgbClr r="0" g="0" b="0"/>
+            </a:lnRef>
+            <a:fillRef idx="0">
+              <a:scrgbClr r="0" g="0" b="0"/>
+            </a:fillRef>
+            <a:effectRef idx="0">
+              <a:scrgbClr r="0" g="0" b="0"/>
+            </a:effectRef>
+            <a:fontRef idx="minor">
+              <a:schemeClr val="lt1"/>
+            </a:fontRef>
+          </p:style>
+          <p:txBody>
+            <a:bodyPr rtlCol="0" anchor="ctr"/>
+            <a:lstStyle/>
+            <a:p>
+              <a:pPr algn="ctr"/>
+              <a:r>
+                <a:rPr lang="en-US" altLang="ko-KR" dirty="0"/>
+                <a:t>SystemA .Func2</a:t>
+              </a:r>
+              <a:endParaRPr lang="ko-KR" altLang="en-US" dirty="0"/>
+            </a:p>
+          </p:txBody>
+        </p:sp>
+        <p:cxnSp>
+          <p:nvCxnSpPr>
+            <p:cNvPr id="14" name="연결선: 꺾임 13">
+              <a:extLst>
+                <a:ext uri="{FF2B5EF4-FFF2-40B4-BE49-F238E27FC236}">
+                  <a16:creationId xmlns:a16="http://schemas.microsoft.com/office/drawing/2014/main" id="{AA5A9BF2-AF58-9F27-CB69-91D64393C28C}"/>
+                </a:ext>
+              </a:extLst>
+            </p:cNvPr>
+            <p:cNvCxnSpPr>
+              <a:stCxn id="11" idx="5"/>
+              <a:endCxn id="12" idx="1"/>
+            </p:cNvCxnSpPr>
+            <p:nvPr/>
+          </p:nvCxnSpPr>
+          <p:spPr>
+            <a:xfrm rot="16200000" flipH="1">
+              <a:off x="3222251" y="3184910"/>
+              <a:ext cx="689295" cy="1490934"/>
+            </a:xfrm>
+            <a:prstGeom prst="bentConnector3">
+              <a:avLst/>
+            </a:prstGeom>
+            <a:ln>
+              <a:tailEnd type="triangle"/>
+            </a:ln>
+          </p:spPr>
+          <p:style>
+            <a:lnRef idx="1">
+              <a:schemeClr val="accent4"/>
+            </a:lnRef>
+            <a:fillRef idx="0">
+              <a:schemeClr val="accent4"/>
+            </a:fillRef>
+            <a:effectRef idx="0">
+              <a:schemeClr val="accent4"/>
+            </a:effectRef>
+            <a:fontRef idx="minor">
+              <a:schemeClr val="tx1"/>
+            </a:fontRef>
+          </p:style>
+        </p:cxnSp>
       </p:grpSp>
       <p:sp>
         <p:nvSpPr>
@@ -7209,10 +7167,10 @@
       </p:cxnSp>
       <p:grpSp>
         <p:nvGrpSpPr>
-          <p:cNvPr id="8" name="그룹 7">
+          <p:cNvPr id="17" name="그룹 16">
             <a:extLst>
               <a:ext uri="{FF2B5EF4-FFF2-40B4-BE49-F238E27FC236}">
-                <a16:creationId xmlns:a16="http://schemas.microsoft.com/office/drawing/2014/main" id="{E4E86703-9197-722D-B1EF-887463109F89}"/>
+                <a16:creationId xmlns:a16="http://schemas.microsoft.com/office/drawing/2014/main" id="{72657C39-532D-E7BE-A365-0D089E0DFE62}"/>
               </a:ext>
             </a:extLst>
           </p:cNvPr>
@@ -7223,7 +7181,7 @@
           <a:xfrm>
             <a:off x="810000" y="2424605"/>
             <a:ext cx="5724526" cy="3590925"/>
-            <a:chOff x="848416" y="1962150"/>
+            <a:chOff x="810000" y="2424605"/>
             <a:chExt cx="5724526" cy="3590925"/>
           </a:xfrm>
         </p:grpSpPr>
@@ -7241,7 +7199,7 @@
           </p:nvSpPr>
           <p:spPr>
             <a:xfrm>
-              <a:off x="848416" y="1962150"/>
+              <a:off x="810000" y="2424605"/>
               <a:ext cx="5724526" cy="3590925"/>
             </a:xfrm>
             <a:prstGeom prst="rect">
@@ -7291,181 +7249,168 @@
             </a:p>
           </p:txBody>
         </p:sp>
-        <p:grpSp>
-          <p:nvGrpSpPr>
-            <p:cNvPr id="3" name="그룹 2">
+        <p:sp>
+          <p:nvSpPr>
+            <p:cNvPr id="11" name="타원 10">
               <a:extLst>
                 <a:ext uri="{FF2B5EF4-FFF2-40B4-BE49-F238E27FC236}">
-                  <a16:creationId xmlns:a16="http://schemas.microsoft.com/office/drawing/2014/main" id="{217DAACF-5BCB-5A30-66B8-057CF83D7D6F}"/>
+                  <a16:creationId xmlns:a16="http://schemas.microsoft.com/office/drawing/2014/main" id="{A8DEAF01-6D94-28CA-7567-1D6E7A30C46B}"/>
                 </a:ext>
               </a:extLst>
             </p:cNvPr>
-            <p:cNvGrpSpPr/>
+            <p:cNvSpPr/>
             <p:nvPr/>
-          </p:nvGrpSpPr>
-          <p:grpSpPr>
+          </p:nvSpPr>
+          <p:spPr>
             <a:xfrm>
-              <a:off x="1405973" y="2441441"/>
-              <a:ext cx="4398681" cy="2052964"/>
-              <a:chOff x="1314450" y="2476500"/>
-              <a:chExt cx="4476750" cy="2447925"/>
+              <a:off x="1367557" y="2903896"/>
+              <a:ext cx="1703319" cy="798819"/>
             </a:xfrm>
-          </p:grpSpPr>
-          <p:sp>
-            <p:nvSpPr>
-              <p:cNvPr id="11" name="타원 10">
-                <a:extLst>
-                  <a:ext uri="{FF2B5EF4-FFF2-40B4-BE49-F238E27FC236}">
-                    <a16:creationId xmlns:a16="http://schemas.microsoft.com/office/drawing/2014/main" id="{A8DEAF01-6D94-28CA-7567-1D6E7A30C46B}"/>
-                  </a:ext>
-                </a:extLst>
-              </p:cNvPr>
-              <p:cNvSpPr/>
-              <p:nvPr/>
-            </p:nvSpPr>
-            <p:spPr>
-              <a:xfrm>
-                <a:off x="1314450" y="2476500"/>
-                <a:ext cx="1733550" cy="952500"/>
-              </a:xfrm>
-              <a:prstGeom prst="ellipse">
-                <a:avLst/>
-              </a:prstGeom>
-              <a:solidFill>
-                <a:schemeClr val="accent4">
-                  <a:alpha val="50000"/>
-                </a:schemeClr>
-              </a:solidFill>
-              <a:ln>
-                <a:noFill/>
-              </a:ln>
-            </p:spPr>
-            <p:style>
-              <a:lnRef idx="0">
-                <a:scrgbClr r="0" g="0" b="0"/>
-              </a:lnRef>
-              <a:fillRef idx="0">
-                <a:scrgbClr r="0" g="0" b="0"/>
-              </a:fillRef>
-              <a:effectRef idx="0">
-                <a:scrgbClr r="0" g="0" b="0"/>
-              </a:effectRef>
-              <a:fontRef idx="minor">
-                <a:schemeClr val="lt1"/>
-              </a:fontRef>
-            </p:style>
-            <p:txBody>
-              <a:bodyPr rtlCol="0" anchor="ctr"/>
-              <a:lstStyle/>
-              <a:p>
-                <a:pPr algn="ctr"/>
-                <a:r>
-                  <a:rPr lang="en-US" altLang="ko-KR" dirty="0"/>
-                  <a:t>SystemA .Func1</a:t>
-                </a:r>
-                <a:endParaRPr lang="ko-KR" altLang="en-US" dirty="0"/>
-              </a:p>
-            </p:txBody>
-          </p:sp>
-          <p:sp>
-            <p:nvSpPr>
-              <p:cNvPr id="12" name="타원 11">
-                <a:extLst>
-                  <a:ext uri="{FF2B5EF4-FFF2-40B4-BE49-F238E27FC236}">
-                    <a16:creationId xmlns:a16="http://schemas.microsoft.com/office/drawing/2014/main" id="{97830B60-D108-9F85-29FC-869E4BDC5485}"/>
-                  </a:ext>
-                </a:extLst>
-              </p:cNvPr>
-              <p:cNvSpPr/>
-              <p:nvPr/>
-            </p:nvSpPr>
-            <p:spPr>
-              <a:xfrm>
-                <a:off x="4057650" y="3971925"/>
-                <a:ext cx="1733550" cy="952500"/>
-              </a:xfrm>
-              <a:prstGeom prst="ellipse">
-                <a:avLst/>
-              </a:prstGeom>
-              <a:solidFill>
-                <a:schemeClr val="accent4">
-                  <a:alpha val="50000"/>
-                </a:schemeClr>
-              </a:solidFill>
-              <a:ln>
-                <a:noFill/>
-              </a:ln>
-            </p:spPr>
-            <p:style>
-              <a:lnRef idx="0">
-                <a:scrgbClr r="0" g="0" b="0"/>
-              </a:lnRef>
-              <a:fillRef idx="0">
-                <a:scrgbClr r="0" g="0" b="0"/>
-              </a:fillRef>
-              <a:effectRef idx="0">
-                <a:scrgbClr r="0" g="0" b="0"/>
-              </a:effectRef>
-              <a:fontRef idx="minor">
-                <a:schemeClr val="lt1"/>
-              </a:fontRef>
-            </p:style>
-            <p:txBody>
-              <a:bodyPr rtlCol="0" anchor="ctr"/>
-              <a:lstStyle/>
-              <a:p>
-                <a:pPr algn="ctr"/>
-                <a:r>
-                  <a:rPr lang="en-US" altLang="ko-KR" dirty="0"/>
-                  <a:t>SystemA .Func2</a:t>
-                </a:r>
-                <a:endParaRPr lang="ko-KR" altLang="en-US" dirty="0"/>
-              </a:p>
-            </p:txBody>
-          </p:sp>
-          <p:cxnSp>
-            <p:nvCxnSpPr>
-              <p:cNvPr id="14" name="연결선: 꺾임 13">
-                <a:extLst>
-                  <a:ext uri="{FF2B5EF4-FFF2-40B4-BE49-F238E27FC236}">
-                    <a16:creationId xmlns:a16="http://schemas.microsoft.com/office/drawing/2014/main" id="{AA5A9BF2-AF58-9F27-CB69-91D64393C28C}"/>
-                  </a:ext>
-                </a:extLst>
-              </p:cNvPr>
-              <p:cNvCxnSpPr>
-                <a:stCxn id="11" idx="5"/>
-                <a:endCxn id="12" idx="1"/>
-              </p:cNvCxnSpPr>
-              <p:nvPr/>
-            </p:nvCxnSpPr>
-            <p:spPr>
-              <a:xfrm rot="16200000" flipH="1">
-                <a:off x="3141873" y="2941764"/>
-                <a:ext cx="821905" cy="1517396"/>
-              </a:xfrm>
-              <a:prstGeom prst="bentConnector3">
-                <a:avLst/>
-              </a:prstGeom>
-              <a:ln>
-                <a:tailEnd type="triangle"/>
-              </a:ln>
-            </p:spPr>
-            <p:style>
-              <a:lnRef idx="1">
-                <a:schemeClr val="accent4"/>
-              </a:lnRef>
-              <a:fillRef idx="0">
-                <a:schemeClr val="accent4"/>
-              </a:fillRef>
-              <a:effectRef idx="0">
-                <a:schemeClr val="accent4"/>
-              </a:effectRef>
-              <a:fontRef idx="minor">
-                <a:schemeClr val="tx1"/>
-              </a:fontRef>
-            </p:style>
-          </p:cxnSp>
-        </p:grpSp>
+            <a:prstGeom prst="ellipse">
+              <a:avLst/>
+            </a:prstGeom>
+            <a:solidFill>
+              <a:schemeClr val="accent4">
+                <a:alpha val="50000"/>
+              </a:schemeClr>
+            </a:solidFill>
+            <a:ln>
+              <a:noFill/>
+            </a:ln>
+          </p:spPr>
+          <p:style>
+            <a:lnRef idx="0">
+              <a:scrgbClr r="0" g="0" b="0"/>
+            </a:lnRef>
+            <a:fillRef idx="0">
+              <a:scrgbClr r="0" g="0" b="0"/>
+            </a:fillRef>
+            <a:effectRef idx="0">
+              <a:scrgbClr r="0" g="0" b="0"/>
+            </a:effectRef>
+            <a:fontRef idx="minor">
+              <a:schemeClr val="lt1"/>
+            </a:fontRef>
+          </p:style>
+          <p:txBody>
+            <a:bodyPr rtlCol="0" anchor="ctr"/>
+            <a:lstStyle/>
+            <a:p>
+              <a:pPr algn="ctr"/>
+              <a:r>
+                <a:rPr lang="en-US" altLang="ko-KR" dirty="0" err="1"/>
+                <a:t>SystemA</a:t>
+              </a:r>
+              <a:r>
+                <a:rPr lang="en-US" altLang="ko-KR" dirty="0"/>
+                <a:t> .Func1</a:t>
+              </a:r>
+              <a:endParaRPr lang="ko-KR" altLang="en-US" dirty="0"/>
+            </a:p>
+          </p:txBody>
+        </p:sp>
+        <p:sp>
+          <p:nvSpPr>
+            <p:cNvPr id="12" name="타원 11">
+              <a:extLst>
+                <a:ext uri="{FF2B5EF4-FFF2-40B4-BE49-F238E27FC236}">
+                  <a16:creationId xmlns:a16="http://schemas.microsoft.com/office/drawing/2014/main" id="{97830B60-D108-9F85-29FC-869E4BDC5485}"/>
+                </a:ext>
+              </a:extLst>
+            </p:cNvPr>
+            <p:cNvSpPr/>
+            <p:nvPr/>
+          </p:nvSpPr>
+          <p:spPr>
+            <a:xfrm>
+              <a:off x="4062919" y="4158041"/>
+              <a:ext cx="1703319" cy="798819"/>
+            </a:xfrm>
+            <a:prstGeom prst="ellipse">
+              <a:avLst/>
+            </a:prstGeom>
+            <a:solidFill>
+              <a:schemeClr val="accent4">
+                <a:alpha val="50000"/>
+              </a:schemeClr>
+            </a:solidFill>
+            <a:ln>
+              <a:noFill/>
+            </a:ln>
+          </p:spPr>
+          <p:style>
+            <a:lnRef idx="0">
+              <a:scrgbClr r="0" g="0" b="0"/>
+            </a:lnRef>
+            <a:fillRef idx="0">
+              <a:scrgbClr r="0" g="0" b="0"/>
+            </a:fillRef>
+            <a:effectRef idx="0">
+              <a:scrgbClr r="0" g="0" b="0"/>
+            </a:effectRef>
+            <a:fontRef idx="minor">
+              <a:schemeClr val="lt1"/>
+            </a:fontRef>
+          </p:style>
+          <p:txBody>
+            <a:bodyPr rtlCol="0" anchor="ctr"/>
+            <a:lstStyle/>
+            <a:p>
+              <a:pPr algn="ctr"/>
+              <a:r>
+                <a:rPr lang="en-US" altLang="ko-KR" dirty="0" err="1"/>
+                <a:t>SystemA</a:t>
+              </a:r>
+              <a:r>
+                <a:rPr lang="en-US" altLang="ko-KR" dirty="0"/>
+                <a:t> .Func2</a:t>
+              </a:r>
+              <a:endParaRPr lang="ko-KR" altLang="en-US" dirty="0"/>
+            </a:p>
+          </p:txBody>
+        </p:sp>
+        <p:cxnSp>
+          <p:nvCxnSpPr>
+            <p:cNvPr id="14" name="연결선: 꺾임 13">
+              <a:extLst>
+                <a:ext uri="{FF2B5EF4-FFF2-40B4-BE49-F238E27FC236}">
+                  <a16:creationId xmlns:a16="http://schemas.microsoft.com/office/drawing/2014/main" id="{AA5A9BF2-AF58-9F27-CB69-91D64393C28C}"/>
+                </a:ext>
+              </a:extLst>
+            </p:cNvPr>
+            <p:cNvCxnSpPr>
+              <a:stCxn id="11" idx="5"/>
+              <a:endCxn id="12" idx="1"/>
+            </p:cNvCxnSpPr>
+            <p:nvPr/>
+          </p:nvCxnSpPr>
+          <p:spPr>
+            <a:xfrm rot="16200000" flipH="1">
+              <a:off x="3222251" y="3184910"/>
+              <a:ext cx="689295" cy="1490934"/>
+            </a:xfrm>
+            <a:prstGeom prst="bentConnector3">
+              <a:avLst/>
+            </a:prstGeom>
+            <a:ln>
+              <a:tailEnd type="triangle"/>
+            </a:ln>
+          </p:spPr>
+          <p:style>
+            <a:lnRef idx="1">
+              <a:schemeClr val="accent4"/>
+            </a:lnRef>
+            <a:fillRef idx="0">
+              <a:schemeClr val="accent4"/>
+            </a:fillRef>
+            <a:effectRef idx="0">
+              <a:schemeClr val="accent4"/>
+            </a:effectRef>
+            <a:fontRef idx="minor">
+              <a:schemeClr val="tx1"/>
+            </a:fontRef>
+          </p:style>
+        </p:cxnSp>
       </p:grpSp>
       <p:sp>
         <p:nvSpPr>

--- a/DsDotNet/src/UnitTest/UnitTest.Model/ImportOfficeExample/ppt/T5_Call.pptx
+++ b/DsDotNet/src/UnitTest/UnitTest.Model/ImportOfficeExample/ppt/T5_Call.pptx
@@ -218,7 +218,7 @@
           <a:p>
             <a:fld id="{DD503887-5801-43A0-AEF9-041E8DDC2558}" type="datetimeFigureOut">
               <a:rPr lang="ko-KR" altLang="en-US" smtClean="0"/>
-              <a:t>2024-03-13</a:t>
+              <a:t>2024-08-14</a:t>
             </a:fld>
             <a:endParaRPr lang="ko-KR" altLang="en-US"/>
           </a:p>
@@ -395,7 +395,7 @@
           <a:p>
             <a:fld id="{95336A0E-57B1-4D4C-BD9B-2F72B5943464}" type="datetimeFigureOut">
               <a:rPr lang="ko-KR" altLang="en-US" smtClean="0"/>
-              <a:t>2024-03-13</a:t>
+              <a:t>2024-08-14</a:t>
             </a:fld>
             <a:endParaRPr lang="ko-KR" altLang="en-US"/>
           </a:p>
@@ -949,7 +949,7 @@
           <a:p>
             <a:fld id="{DEA6EBF0-8E22-42A7-9BEA-2AC7066E6498}" type="datetimeFigureOut">
               <a:rPr lang="ko-KR" altLang="en-US" smtClean="0"/>
-              <a:t>2024-03-13</a:t>
+              <a:t>2024-08-14</a:t>
             </a:fld>
             <a:endParaRPr lang="ko-KR" altLang="en-US"/>
           </a:p>
@@ -1267,7 +1267,7 @@
           <a:p>
             <a:fld id="{DEA6EBF0-8E22-42A7-9BEA-2AC7066E6498}" type="datetimeFigureOut">
               <a:rPr lang="ko-KR" altLang="en-US" smtClean="0"/>
-              <a:t>2024-03-13</a:t>
+              <a:t>2024-08-14</a:t>
             </a:fld>
             <a:endParaRPr lang="ko-KR" altLang="en-US"/>
           </a:p>
@@ -1755,7 +1755,7 @@
           <a:p>
             <a:fld id="{DEA6EBF0-8E22-42A7-9BEA-2AC7066E6498}" type="datetimeFigureOut">
               <a:rPr lang="ko-KR" altLang="en-US" smtClean="0"/>
-              <a:t>2024-03-13</a:t>
+              <a:t>2024-08-14</a:t>
             </a:fld>
             <a:endParaRPr lang="ko-KR" altLang="en-US"/>
           </a:p>
@@ -2124,7 +2124,7 @@
           <a:p>
             <a:fld id="{DEA6EBF0-8E22-42A7-9BEA-2AC7066E6498}" type="datetimeFigureOut">
               <a:rPr lang="ko-KR" altLang="en-US" smtClean="0"/>
-              <a:t>2024-03-13</a:t>
+              <a:t>2024-08-14</a:t>
             </a:fld>
             <a:endParaRPr lang="ko-KR" altLang="en-US"/>
           </a:p>
@@ -2397,7 +2397,7 @@
           <a:p>
             <a:fld id="{DEA6EBF0-8E22-42A7-9BEA-2AC7066E6498}" type="datetimeFigureOut">
               <a:rPr lang="ko-KR" altLang="en-US" smtClean="0"/>
-              <a:t>2024-03-13</a:t>
+              <a:t>2024-08-14</a:t>
             </a:fld>
             <a:endParaRPr lang="ko-KR" altLang="en-US"/>
           </a:p>
@@ -2682,7 +2682,7 @@
           <a:p>
             <a:fld id="{DEA6EBF0-8E22-42A7-9BEA-2AC7066E6498}" type="datetimeFigureOut">
               <a:rPr lang="ko-KR" altLang="en-US" smtClean="0"/>
-              <a:t>2024-03-13</a:t>
+              <a:t>2024-08-14</a:t>
             </a:fld>
             <a:endParaRPr lang="ko-KR" altLang="en-US"/>
           </a:p>
@@ -2800,7 +2800,7 @@
           <a:p>
             <a:fld id="{DEA6EBF0-8E22-42A7-9BEA-2AC7066E6498}" type="datetimeFigureOut">
               <a:rPr lang="ko-KR" altLang="en-US" smtClean="0"/>
-              <a:t>2024-03-13</a:t>
+              <a:t>2024-08-14</a:t>
             </a:fld>
             <a:endParaRPr lang="ko-KR" altLang="en-US"/>
           </a:p>
@@ -3083,7 +3083,7 @@
           <a:p>
             <a:fld id="{DEA6EBF0-8E22-42A7-9BEA-2AC7066E6498}" type="datetimeFigureOut">
               <a:rPr lang="ko-KR" altLang="en-US" smtClean="0"/>
-              <a:t>2024-03-13</a:t>
+              <a:t>2024-08-14</a:t>
             </a:fld>
             <a:endParaRPr lang="ko-KR" altLang="en-US"/>
           </a:p>
@@ -3426,7 +3426,7 @@
           <a:p>
             <a:fld id="{DEA6EBF0-8E22-42A7-9BEA-2AC7066E6498}" type="datetimeFigureOut">
               <a:rPr lang="ko-KR" altLang="en-US" smtClean="0"/>
-              <a:t>2024-03-13</a:t>
+              <a:t>2024-08-14</a:t>
             </a:fld>
             <a:endParaRPr lang="ko-KR" altLang="en-US"/>
           </a:p>
@@ -3765,7 +3765,7 @@
           <a:p>
             <a:fld id="{DEA6EBF0-8E22-42A7-9BEA-2AC7066E6498}" type="datetimeFigureOut">
               <a:rPr lang="ko-KR" altLang="en-US" smtClean="0"/>
-              <a:t>2024-03-13</a:t>
+              <a:t>2024-08-14</a:t>
             </a:fld>
             <a:endParaRPr lang="ko-KR" altLang="en-US"/>
           </a:p>
@@ -4242,7 +4242,7 @@
           <a:p>
             <a:fld id="{DEA6EBF0-8E22-42A7-9BEA-2AC7066E6498}" type="datetimeFigureOut">
               <a:rPr lang="ko-KR" altLang="en-US" smtClean="0"/>
-              <a:t>2024-03-13</a:t>
+              <a:t>2024-08-14</a:t>
             </a:fld>
             <a:endParaRPr lang="ko-KR" altLang="en-US"/>
           </a:p>
@@ -4337,7 +4337,7 @@
           <a:p>
             <a:fld id="{DEA6EBF0-8E22-42A7-9BEA-2AC7066E6498}" type="datetimeFigureOut">
               <a:rPr lang="ko-KR" altLang="en-US" smtClean="0"/>
-              <a:t>2024-03-13</a:t>
+              <a:t>2024-08-14</a:t>
             </a:fld>
             <a:endParaRPr lang="ko-KR" altLang="en-US"/>
           </a:p>
@@ -4804,7 +4804,7 @@
           <a:p>
             <a:fld id="{DEA6EBF0-8E22-42A7-9BEA-2AC7066E6498}" type="datetimeFigureOut">
               <a:rPr lang="ko-KR" altLang="en-US" smtClean="0"/>
-              <a:t>2024-03-13</a:t>
+              <a:t>2024-08-14</a:t>
             </a:fld>
             <a:endParaRPr lang="ko-KR" altLang="en-US"/>
           </a:p>
@@ -5117,7 +5117,7 @@
           <a:p>
             <a:fld id="{DEA6EBF0-8E22-42A7-9BEA-2AC7066E6498}" type="datetimeFigureOut">
               <a:rPr lang="ko-KR" altLang="en-US" smtClean="0"/>
-              <a:t>2024-03-13</a:t>
+              <a:t>2024-08-14</a:t>
             </a:fld>
             <a:endParaRPr lang="ko-KR" altLang="en-US"/>
           </a:p>
@@ -5387,7 +5387,7 @@
           <a:p>
             <a:fld id="{DEA6EBF0-8E22-42A7-9BEA-2AC7066E6498}" type="datetimeFigureOut">
               <a:rPr lang="ko-KR" altLang="en-US" smtClean="0"/>
-              <a:t>2024-03-13</a:t>
+              <a:t>2024-08-14</a:t>
             </a:fld>
             <a:endParaRPr lang="ko-KR" altLang="en-US"/>
           </a:p>
@@ -6436,21 +6436,15 @@
           <a:lstStyle/>
           <a:p>
             <a:pPr algn="ctr"/>
+            <a:endParaRPr lang="en-US" altLang="ko-KR" sz="1800" dirty="0"/>
+          </a:p>
+          <a:p>
+            <a:pPr algn="ctr"/>
             <a:r>
               <a:rPr lang="en-US" altLang="ko-KR" sz="1800" dirty="0"/>
-              <a:t>../Sample</a:t>
-            </a:r>
-          </a:p>
-          <a:p>
-            <a:pPr algn="ctr"/>
-            <a:r>
-              <a:rPr lang="en-US" altLang="ko-KR" sz="1800" dirty="0"/>
-              <a:t>/Lib</a:t>
-            </a:r>
-            <a:r>
-              <a:rPr lang="en-US" altLang="ko-KR" dirty="0"/>
-              <a:t>/tester </a:t>
-            </a:r>
+              <a:t>./Lib/tester </a:t>
+            </a:r>
+            <a:endParaRPr lang="en-US" altLang="ko-KR" dirty="0"/>
           </a:p>
           <a:p>
             <a:pPr algn="ctr"/>
@@ -6975,21 +6969,15 @@
           <a:lstStyle/>
           <a:p>
             <a:pPr algn="ctr"/>
+            <a:endParaRPr lang="en-US" altLang="ko-KR" sz="1800" dirty="0"/>
+          </a:p>
+          <a:p>
+            <a:pPr algn="ctr"/>
             <a:r>
               <a:rPr lang="en-US" altLang="ko-KR" sz="1800" dirty="0"/>
-              <a:t>../Sample</a:t>
-            </a:r>
-          </a:p>
-          <a:p>
-            <a:pPr algn="ctr"/>
-            <a:r>
-              <a:rPr lang="en-US" altLang="ko-KR" sz="1800" dirty="0"/>
-              <a:t>/Lib</a:t>
-            </a:r>
-            <a:r>
-              <a:rPr lang="en-US" altLang="ko-KR" dirty="0"/>
-              <a:t>/tester </a:t>
-            </a:r>
+              <a:t>./Lib/tester </a:t>
+            </a:r>
+            <a:endParaRPr lang="en-US" altLang="ko-KR" dirty="0"/>
           </a:p>
           <a:p>
             <a:pPr algn="ctr"/>
@@ -7522,25 +7510,15 @@
           <a:lstStyle/>
           <a:p>
             <a:pPr algn="ctr"/>
+            <a:endParaRPr lang="en-US" altLang="ko-KR" sz="1800" dirty="0"/>
+          </a:p>
+          <a:p>
+            <a:pPr algn="ctr"/>
             <a:r>
               <a:rPr lang="en-US" altLang="ko-KR" sz="1800" dirty="0"/>
-              <a:t>../Sample</a:t>
-            </a:r>
-          </a:p>
-          <a:p>
-            <a:pPr algn="ctr"/>
-            <a:r>
-              <a:rPr lang="en-US" altLang="ko-KR" sz="1800"/>
-              <a:t>/Lib</a:t>
-            </a:r>
-            <a:r>
-              <a:rPr lang="en-US" altLang="ko-KR"/>
-              <a:t>/</a:t>
-            </a:r>
-            <a:r>
-              <a:rPr lang="en-US" altLang="ko-KR" dirty="0"/>
-              <a:t>tester </a:t>
-            </a:r>
+              <a:t>./Lib/tester </a:t>
+            </a:r>
+            <a:endParaRPr lang="en-US" altLang="ko-KR" dirty="0"/>
           </a:p>
           <a:p>
             <a:pPr algn="ctr"/>
